--- a/Events/2017-06-13-NYC/Presentations/70-534-DevOps-and-NextSteps.pptx
+++ b/Events/2017-06-13-NYC/Presentations/70-534-DevOps-and-NextSteps.pptx
@@ -5,7 +5,7 @@
     <p:sldMasterId id="2147483648" r:id="rId1"/>
   </p:sldMasterIdLst>
   <p:notesMasterIdLst>
-    <p:notesMasterId r:id="rId20"/>
+    <p:notesMasterId r:id="rId21"/>
   </p:notesMasterIdLst>
   <p:sldIdLst>
     <p:sldId id="259" r:id="rId2"/>
@@ -23,9 +23,10 @@
     <p:sldId id="269" r:id="rId14"/>
     <p:sldId id="263" r:id="rId15"/>
     <p:sldId id="264" r:id="rId16"/>
-    <p:sldId id="265" r:id="rId17"/>
-    <p:sldId id="258" r:id="rId18"/>
-    <p:sldId id="285" r:id="rId19"/>
+    <p:sldId id="287" r:id="rId17"/>
+    <p:sldId id="265" r:id="rId18"/>
+    <p:sldId id="258" r:id="rId19"/>
+    <p:sldId id="285" r:id="rId20"/>
   </p:sldIdLst>
   <p:sldSz cx="12192000" cy="6858000"/>
   <p:notesSz cx="6858000" cy="9144000"/>
@@ -156,6 +157,7 @@
         </p14:section>
         <p14:section name="Wrap" id="{1E290841-B188-4842-B4AC-CC525E8F2BE8}">
           <p14:sldIdLst>
+            <p14:sldId id="287"/>
             <p14:sldId id="265"/>
             <p14:sldId id="258"/>
             <p14:sldId id="285"/>
@@ -166,8 +168,15 @@
     <p:ext uri="{EFAFB233-063F-42B5-8137-9DF3F51BA10A}">
       <p15:sldGuideLst xmlns:p15="http://schemas.microsoft.com/office/powerpoint/2012/main"/>
     </p:ext>
+    <p:ext uri="{2D200454-40CA-4A62-9FC3-DE9A4176ACB9}">
+      <p15:notesGuideLst xmlns:p15="http://schemas.microsoft.com/office/powerpoint/2012/main"/>
+    </p:ext>
   </p:extLst>
 </p:presentation>
+</file>
+
+<file path=ppt/revisionInfo.xml><?xml version="1.0" encoding="utf-8"?>
+<p1510:revInfo xmlns:a="http://schemas.openxmlformats.org/drawingml/2006/main" xmlns:r="http://schemas.openxmlformats.org/officeDocument/2006/relationships" xmlns:p1510="http://schemas.microsoft.com/office/powerpoint/2015/10/main"/>
 </file>
 
 <file path=ppt/diagrams/colors1.xml><?xml version="1.0" encoding="utf-8"?>
@@ -4629,7 +4638,7 @@
   <dgm:whole/>
   <dgm:extLst>
     <a:ext uri="http://schemas.microsoft.com/office/drawing/2008/diagram">
-      <dsp:dataModelExt xmlns:dsp="http://schemas.microsoft.com/office/drawing/2008/diagram" relId="rId6" minVer="http://schemas.openxmlformats.org/drawingml/2006/diagram"/>
+      <dsp:dataModelExt xmlns:dsp="http://schemas.microsoft.com/office/drawing/2008/diagram" relId="rId7" minVer="http://schemas.openxmlformats.org/drawingml/2006/diagram"/>
     </a:ext>
   </dgm:extLst>
 </dgm:dataModel>
@@ -5294,7 +5303,7 @@
   <dgm:whole/>
   <dgm:extLst>
     <a:ext uri="http://schemas.microsoft.com/office/drawing/2008/diagram">
-      <dsp:dataModelExt xmlns:dsp="http://schemas.microsoft.com/office/drawing/2008/diagram" relId="rId11" minVer="http://schemas.openxmlformats.org/drawingml/2006/diagram"/>
+      <dsp:dataModelExt xmlns:dsp="http://schemas.microsoft.com/office/drawing/2008/diagram" relId="rId12" minVer="http://schemas.openxmlformats.org/drawingml/2006/diagram"/>
     </a:ext>
   </dgm:extLst>
 </dgm:dataModel>
@@ -18400,7 +18409,7 @@
           <a:p>
             <a:fld id="{6C4D26D1-8A32-4661-987C-BB7DFD4D4B9A}" type="datetimeFigureOut">
               <a:rPr lang="en-US" smtClean="0"/>
-              <a:t>6/14/2017</a:t>
+              <a:t>9/26/2017</a:t>
             </a:fld>
             <a:endParaRPr lang="en-US"/>
           </a:p>
@@ -18782,7 +18791,7 @@
           <a:p>
             <a:fld id="{2A14FA6D-5CC1-477D-A0DC-F2245326A311}" type="datetime1">
               <a:rPr lang="en-US" smtClean="0"/>
-              <a:t>6/14/2017</a:t>
+              <a:t>9/26/2017</a:t>
             </a:fld>
             <a:endParaRPr lang="en-US" dirty="0"/>
           </a:p>
@@ -18879,455 +18888,7 @@
 </p:notes>
 </file>
 
-<file path=ppt/notesSlides/notesSlide2.xml><?xml version="1.0" encoding="utf-8"?>
-<p:notes xmlns:a="http://schemas.openxmlformats.org/drawingml/2006/main" xmlns:r="http://schemas.openxmlformats.org/officeDocument/2006/relationships" xmlns:p="http://schemas.openxmlformats.org/presentationml/2006/main">
-  <p:cSld>
-    <p:spTree>
-      <p:nvGrpSpPr>
-        <p:cNvPr id="1" name=""/>
-        <p:cNvGrpSpPr/>
-        <p:nvPr/>
-      </p:nvGrpSpPr>
-      <p:grpSpPr>
-        <a:xfrm>
-          <a:off x="0" y="0"/>
-          <a:ext cx="0" cy="0"/>
-          <a:chOff x="0" y="0"/>
-          <a:chExt cx="0" cy="0"/>
-        </a:xfrm>
-      </p:grpSpPr>
-      <p:sp>
-        <p:nvSpPr>
-          <p:cNvPr id="2" name="Slide Image Placeholder 1"/>
-          <p:cNvSpPr>
-            <a:spLocks noGrp="1" noRot="1" noChangeAspect="1"/>
-          </p:cNvSpPr>
-          <p:nvPr>
-            <p:ph type="sldImg"/>
-          </p:nvPr>
-        </p:nvSpPr>
-        <p:spPr/>
-      </p:sp>
-      <p:sp>
-        <p:nvSpPr>
-          <p:cNvPr id="3" name="Notes Placeholder 2"/>
-          <p:cNvSpPr>
-            <a:spLocks noGrp="1"/>
-          </p:cNvSpPr>
-          <p:nvPr>
-            <p:ph type="body" idx="1"/>
-          </p:nvPr>
-        </p:nvSpPr>
-        <p:spPr/>
-        <p:txBody>
-          <a:bodyPr/>
-          <a:lstStyle/>
-          <a:p>
-            <a:r>
-              <a:rPr lang="en-US" dirty="0"/>
-              <a:t>http://www.gartner.com/webinar/3139617/player?commId=175277&amp;channelId=5500&amp;srcId=1-2973089105 </a:t>
-            </a:r>
-          </a:p>
-        </p:txBody>
-      </p:sp>
-      <p:sp>
-        <p:nvSpPr>
-          <p:cNvPr id="4" name="Slide Number Placeholder 3"/>
-          <p:cNvSpPr>
-            <a:spLocks noGrp="1"/>
-          </p:cNvSpPr>
-          <p:nvPr>
-            <p:ph type="sldNum" sz="quarter" idx="10"/>
-          </p:nvPr>
-        </p:nvSpPr>
-        <p:spPr/>
-        <p:txBody>
-          <a:bodyPr/>
-          <a:lstStyle/>
-          <a:p>
-            <a:fld id="{A7994216-F9EE-4578-8C57-39E3A4EBAE32}" type="slidenum">
-              <a:rPr lang="en-US" smtClean="0"/>
-              <a:t>3</a:t>
-            </a:fld>
-            <a:endParaRPr lang="en-US"/>
-          </a:p>
-        </p:txBody>
-      </p:sp>
-    </p:spTree>
-    <p:extLst>
-      <p:ext uri="{BB962C8B-B14F-4D97-AF65-F5344CB8AC3E}">
-        <p14:creationId xmlns:p14="http://schemas.microsoft.com/office/powerpoint/2010/main" val="129488786"/>
-      </p:ext>
-    </p:extLst>
-  </p:cSld>
-  <p:clrMapOvr>
-    <a:masterClrMapping/>
-  </p:clrMapOvr>
-</p:notes>
-</file>
-
-<file path=ppt/notesSlides/notesSlide3.xml><?xml version="1.0" encoding="utf-8"?>
-<p:notes xmlns:a="http://schemas.openxmlformats.org/drawingml/2006/main" xmlns:r="http://schemas.openxmlformats.org/officeDocument/2006/relationships" xmlns:p="http://schemas.openxmlformats.org/presentationml/2006/main">
-  <p:cSld>
-    <p:spTree>
-      <p:nvGrpSpPr>
-        <p:cNvPr id="1" name=""/>
-        <p:cNvGrpSpPr/>
-        <p:nvPr/>
-      </p:nvGrpSpPr>
-      <p:grpSpPr>
-        <a:xfrm>
-          <a:off x="0" y="0"/>
-          <a:ext cx="0" cy="0"/>
-          <a:chOff x="0" y="0"/>
-          <a:chExt cx="0" cy="0"/>
-        </a:xfrm>
-      </p:grpSpPr>
-      <p:sp>
-        <p:nvSpPr>
-          <p:cNvPr id="2" name="Slide Image Placeholder 1"/>
-          <p:cNvSpPr>
-            <a:spLocks noGrp="1" noRot="1" noChangeAspect="1"/>
-          </p:cNvSpPr>
-          <p:nvPr>
-            <p:ph type="sldImg"/>
-          </p:nvPr>
-        </p:nvSpPr>
-        <p:spPr/>
-      </p:sp>
-      <p:sp>
-        <p:nvSpPr>
-          <p:cNvPr id="3" name="Notes Placeholder 2"/>
-          <p:cNvSpPr>
-            <a:spLocks noGrp="1"/>
-          </p:cNvSpPr>
-          <p:nvPr>
-            <p:ph type="body" idx="1"/>
-          </p:nvPr>
-        </p:nvSpPr>
-        <p:spPr/>
-        <p:txBody>
-          <a:bodyPr/>
-          <a:lstStyle/>
-          <a:p>
-            <a:pPr>
-              <a:buFont typeface="Wingdings" panose="05000000000000000000" pitchFamily="2" charset="2"/>
-              <a:buChar char="§"/>
-            </a:pPr>
-            <a:endParaRPr lang="en-US" dirty="0"/>
-          </a:p>
-        </p:txBody>
-      </p:sp>
-      <p:sp>
-        <p:nvSpPr>
-          <p:cNvPr id="4" name="Header Placeholder 3"/>
-          <p:cNvSpPr>
-            <a:spLocks noGrp="1"/>
-          </p:cNvSpPr>
-          <p:nvPr>
-            <p:ph type="hdr" sz="quarter" idx="10"/>
-          </p:nvPr>
-        </p:nvSpPr>
-        <p:spPr/>
-        <p:txBody>
-          <a:bodyPr/>
-          <a:lstStyle/>
-          <a:p>
-            <a:pPr marL="0" marR="0" lvl="0" indent="0" defTabSz="914400" eaLnBrk="1" fontAlgn="auto" latinLnBrk="0" hangingPunct="1">
-              <a:lnSpc>
-                <a:spcPct val="100000"/>
-              </a:lnSpc>
-              <a:spcBef>
-                <a:spcPts val="0"/>
-              </a:spcBef>
-              <a:spcAft>
-                <a:spcPts val="0"/>
-              </a:spcAft>
-              <a:buClrTx/>
-              <a:buSzTx/>
-              <a:buFontTx/>
-              <a:buNone/>
-              <a:tabLst/>
-              <a:defRPr/>
-            </a:pPr>
-            <a:r>
-              <a:rPr kumimoji="0" lang="en-US" sz="1800" b="0" i="0" u="none" strike="noStrike" kern="0" cap="none" spc="0" normalizeH="0" baseline="0" noProof="0">
-                <a:ln>
-                  <a:noFill/>
-                </a:ln>
-                <a:solidFill>
-                  <a:sysClr val="windowText" lastClr="000000"/>
-                </a:solidFill>
-                <a:effectLst/>
-                <a:uLnTx/>
-                <a:uFillTx/>
-              </a:rPr>
-              <a:t>Microsoft Ignite 2015</a:t>
-            </a:r>
-            <a:endParaRPr kumimoji="0" lang="en-US" sz="1800" b="0" i="0" u="none" strike="noStrike" kern="0" cap="none" spc="0" normalizeH="0" baseline="0" noProof="0" dirty="0">
-              <a:ln>
-                <a:noFill/>
-              </a:ln>
-              <a:solidFill>
-                <a:sysClr val="windowText" lastClr="000000"/>
-              </a:solidFill>
-              <a:effectLst/>
-              <a:uLnTx/>
-              <a:uFillTx/>
-            </a:endParaRPr>
-          </a:p>
-        </p:txBody>
-      </p:sp>
-      <p:sp>
-        <p:nvSpPr>
-          <p:cNvPr id="5" name="Footer Placeholder 4"/>
-          <p:cNvSpPr>
-            <a:spLocks noGrp="1"/>
-          </p:cNvSpPr>
-          <p:nvPr>
-            <p:ph type="ftr" sz="quarter" idx="11"/>
-          </p:nvPr>
-        </p:nvSpPr>
-        <p:spPr/>
-        <p:txBody>
-          <a:bodyPr/>
-          <a:lstStyle/>
-          <a:p>
-            <a:pPr marL="0" marR="0" lvl="0" indent="0" defTabSz="931467" eaLnBrk="0" fontAlgn="auto" latinLnBrk="0" hangingPunct="0">
-              <a:lnSpc>
-                <a:spcPct val="100000"/>
-              </a:lnSpc>
-              <a:spcBef>
-                <a:spcPts val="0"/>
-              </a:spcBef>
-              <a:spcAft>
-                <a:spcPts val="0"/>
-              </a:spcAft>
-              <a:buClrTx/>
-              <a:buSzTx/>
-              <a:buFontTx/>
-              <a:buNone/>
-              <a:tabLst/>
-              <a:defRPr/>
-            </a:pPr>
-            <a:r>
-              <a:rPr kumimoji="0" lang="en-US" sz="400" b="0" i="0" u="none" strike="noStrike" kern="0" cap="none" spc="0" normalizeH="0" baseline="0" noProof="0">
-                <a:ln>
-                  <a:noFill/>
-                </a:ln>
-                <a:gradFill>
-                  <a:gsLst>
-                    <a:gs pos="0">
-                      <a:prstClr val="black"/>
-                    </a:gs>
-                    <a:gs pos="100000">
-                      <a:prstClr val="black"/>
-                    </a:gs>
-                  </a:gsLst>
-                  <a:lin ang="5400000" scaled="0"/>
-                </a:gradFill>
-                <a:effectLst/>
-                <a:uLnTx/>
-                <a:uFillTx/>
-                <a:latin typeface="Segoe UI" pitchFamily="34" charset="0"/>
-                <a:ea typeface="Segoe UI" pitchFamily="34" charset="0"/>
-                <a:cs typeface="Segoe UI" pitchFamily="34" charset="0"/>
-              </a:rPr>
-              <a:t>© 2015 Microsoft Corporation. All rights reserved. MICROSOFT MAKES NO WARRANTIES, EXPRESS, IMPLIED OR STATUTORY, AS TO THE INFORMATION IN THIS PRESENTATION.</a:t>
-            </a:r>
-            <a:endParaRPr kumimoji="0" lang="en-US" sz="400" b="0" i="0" u="none" strike="noStrike" kern="0" cap="none" spc="0" normalizeH="0" baseline="0" noProof="0" dirty="0">
-              <a:ln>
-                <a:noFill/>
-              </a:ln>
-              <a:gradFill>
-                <a:gsLst>
-                  <a:gs pos="0">
-                    <a:prstClr val="black"/>
-                  </a:gs>
-                  <a:gs pos="100000">
-                    <a:prstClr val="black"/>
-                  </a:gs>
-                </a:gsLst>
-                <a:lin ang="5400000" scaled="0"/>
-              </a:gradFill>
-              <a:effectLst/>
-              <a:uLnTx/>
-              <a:uFillTx/>
-              <a:latin typeface="Segoe UI" pitchFamily="34" charset="0"/>
-              <a:ea typeface="Segoe UI" pitchFamily="34" charset="0"/>
-              <a:cs typeface="Segoe UI" pitchFamily="34" charset="0"/>
-            </a:endParaRPr>
-          </a:p>
-        </p:txBody>
-      </p:sp>
-      <p:sp>
-        <p:nvSpPr>
-          <p:cNvPr id="6" name="Date Placeholder 5"/>
-          <p:cNvSpPr>
-            <a:spLocks noGrp="1"/>
-          </p:cNvSpPr>
-          <p:nvPr>
-            <p:ph type="dt" idx="12"/>
-          </p:nvPr>
-        </p:nvSpPr>
-        <p:spPr/>
-        <p:txBody>
-          <a:bodyPr/>
-          <a:lstStyle/>
-          <a:p>
-            <a:pPr marL="0" marR="0" lvl="0" indent="0" defTabSz="914400" eaLnBrk="1" fontAlgn="auto" latinLnBrk="0" hangingPunct="1">
-              <a:lnSpc>
-                <a:spcPct val="100000"/>
-              </a:lnSpc>
-              <a:spcBef>
-                <a:spcPts val="0"/>
-              </a:spcBef>
-              <a:spcAft>
-                <a:spcPts val="0"/>
-              </a:spcAft>
-              <a:buClrTx/>
-              <a:buSzTx/>
-              <a:buFontTx/>
-              <a:buNone/>
-              <a:tabLst/>
-              <a:defRPr/>
-            </a:pPr>
-            <a:fld id="{38EEC551-8CDA-4EB6-89BB-2A86C9F091C8}" type="datetime8">
-              <a:rPr kumimoji="0" lang="en-US" sz="1800" b="0" i="0" u="none" strike="noStrike" kern="0" cap="none" spc="0" normalizeH="0" baseline="0" noProof="0" smtClean="0">
-                <a:ln>
-                  <a:noFill/>
-                </a:ln>
-                <a:solidFill>
-                  <a:sysClr val="windowText" lastClr="000000"/>
-                </a:solidFill>
-                <a:effectLst/>
-                <a:uLnTx/>
-                <a:uFillTx/>
-              </a:rPr>
-              <a:pPr marL="0" marR="0" lvl="0" indent="0" defTabSz="914400" eaLnBrk="1" fontAlgn="auto" latinLnBrk="0" hangingPunct="1">
-                <a:lnSpc>
-                  <a:spcPct val="100000"/>
-                </a:lnSpc>
-                <a:spcBef>
-                  <a:spcPts val="0"/>
-                </a:spcBef>
-                <a:spcAft>
-                  <a:spcPts val="0"/>
-                </a:spcAft>
-                <a:buClrTx/>
-                <a:buSzTx/>
-                <a:buFontTx/>
-                <a:buNone/>
-                <a:tabLst/>
-                <a:defRPr/>
-              </a:pPr>
-              <a:t>6/14/2017 9:00 AM</a:t>
-            </a:fld>
-            <a:endParaRPr kumimoji="0" lang="en-US" sz="1800" b="0" i="0" u="none" strike="noStrike" kern="0" cap="none" spc="0" normalizeH="0" baseline="0" noProof="0" dirty="0">
-              <a:ln>
-                <a:noFill/>
-              </a:ln>
-              <a:solidFill>
-                <a:sysClr val="windowText" lastClr="000000"/>
-              </a:solidFill>
-              <a:effectLst/>
-              <a:uLnTx/>
-              <a:uFillTx/>
-            </a:endParaRPr>
-          </a:p>
-        </p:txBody>
-      </p:sp>
-      <p:sp>
-        <p:nvSpPr>
-          <p:cNvPr id="7" name="Slide Number Placeholder 6"/>
-          <p:cNvSpPr>
-            <a:spLocks noGrp="1"/>
-          </p:cNvSpPr>
-          <p:nvPr>
-            <p:ph type="sldNum" sz="quarter" idx="13"/>
-          </p:nvPr>
-        </p:nvSpPr>
-        <p:spPr/>
-        <p:txBody>
-          <a:bodyPr/>
-          <a:lstStyle/>
-          <a:p>
-            <a:pPr marL="0" marR="0" lvl="0" indent="0" defTabSz="914400" eaLnBrk="1" fontAlgn="auto" latinLnBrk="0" hangingPunct="1">
-              <a:lnSpc>
-                <a:spcPct val="100000"/>
-              </a:lnSpc>
-              <a:spcBef>
-                <a:spcPts val="0"/>
-              </a:spcBef>
-              <a:spcAft>
-                <a:spcPts val="0"/>
-              </a:spcAft>
-              <a:buClrTx/>
-              <a:buSzTx/>
-              <a:buFontTx/>
-              <a:buNone/>
-              <a:tabLst/>
-              <a:defRPr/>
-            </a:pPr>
-            <a:fld id="{B4008EB6-D09E-4580-8CD6-DDB14511944F}" type="slidenum">
-              <a:rPr kumimoji="0" lang="en-US" sz="1800" b="0" i="0" u="none" strike="noStrike" kern="0" cap="none" spc="0" normalizeH="0" baseline="0" noProof="0" smtClean="0">
-                <a:ln>
-                  <a:noFill/>
-                </a:ln>
-                <a:solidFill>
-                  <a:sysClr val="windowText" lastClr="000000"/>
-                </a:solidFill>
-                <a:effectLst/>
-                <a:uLnTx/>
-                <a:uFillTx/>
-              </a:rPr>
-              <a:pPr marL="0" marR="0" lvl="0" indent="0" defTabSz="914400" eaLnBrk="1" fontAlgn="auto" latinLnBrk="0" hangingPunct="1">
-                <a:lnSpc>
-                  <a:spcPct val="100000"/>
-                </a:lnSpc>
-                <a:spcBef>
-                  <a:spcPts val="0"/>
-                </a:spcBef>
-                <a:spcAft>
-                  <a:spcPts val="0"/>
-                </a:spcAft>
-                <a:buClrTx/>
-                <a:buSzTx/>
-                <a:buFontTx/>
-                <a:buNone/>
-                <a:tabLst/>
-                <a:defRPr/>
-              </a:pPr>
-              <a:t>9</a:t>
-            </a:fld>
-            <a:endParaRPr kumimoji="0" lang="en-US" sz="1800" b="0" i="0" u="none" strike="noStrike" kern="0" cap="none" spc="0" normalizeH="0" baseline="0" noProof="0" dirty="0">
-              <a:ln>
-                <a:noFill/>
-              </a:ln>
-              <a:solidFill>
-                <a:sysClr val="windowText" lastClr="000000"/>
-              </a:solidFill>
-              <a:effectLst/>
-              <a:uLnTx/>
-              <a:uFillTx/>
-            </a:endParaRPr>
-          </a:p>
-        </p:txBody>
-      </p:sp>
-    </p:spTree>
-    <p:extLst>
-      <p:ext uri="{BB962C8B-B14F-4D97-AF65-F5344CB8AC3E}">
-        <p14:creationId xmlns:p14="http://schemas.microsoft.com/office/powerpoint/2010/main" val="975969338"/>
-      </p:ext>
-    </p:extLst>
-  </p:cSld>
-  <p:clrMapOvr>
-    <a:masterClrMapping/>
-  </p:clrMapOvr>
-</p:notes>
-</file>
-
-<file path=ppt/notesSlides/notesSlide4.xml><?xml version="1.0" encoding="utf-8"?>
+<file path=ppt/notesSlides/notesSlide10.xml><?xml version="1.0" encoding="utf-8"?>
 <p:notes xmlns:a="http://schemas.openxmlformats.org/drawingml/2006/main" xmlns:r="http://schemas.openxmlformats.org/officeDocument/2006/relationships" xmlns:p="http://schemas.openxmlformats.org/presentationml/2006/main">
   <p:cSld>
     <p:spTree>
@@ -19568,6 +19129,1346 @@
 </p:notes>
 </file>
 
+<file path=ppt/notesSlides/notesSlide11.xml><?xml version="1.0" encoding="utf-8"?>
+<p:notes xmlns:a="http://schemas.openxmlformats.org/drawingml/2006/main" xmlns:r="http://schemas.openxmlformats.org/officeDocument/2006/relationships" xmlns:p="http://schemas.openxmlformats.org/presentationml/2006/main">
+  <p:cSld>
+    <p:spTree>
+      <p:nvGrpSpPr>
+        <p:cNvPr id="1" name=""/>
+        <p:cNvGrpSpPr/>
+        <p:nvPr/>
+      </p:nvGrpSpPr>
+      <p:grpSpPr>
+        <a:xfrm>
+          <a:off x="0" y="0"/>
+          <a:ext cx="0" cy="0"/>
+          <a:chOff x="0" y="0"/>
+          <a:chExt cx="0" cy="0"/>
+        </a:xfrm>
+      </p:grpSpPr>
+      <p:sp>
+        <p:nvSpPr>
+          <p:cNvPr id="2" name="Slide Image Placeholder 1"/>
+          <p:cNvSpPr>
+            <a:spLocks noGrp="1" noRot="1" noChangeAspect="1"/>
+          </p:cNvSpPr>
+          <p:nvPr>
+            <p:ph type="sldImg"/>
+          </p:nvPr>
+        </p:nvSpPr>
+        <p:spPr/>
+      </p:sp>
+      <p:sp>
+        <p:nvSpPr>
+          <p:cNvPr id="3" name="Notes Placeholder 2"/>
+          <p:cNvSpPr>
+            <a:spLocks noGrp="1"/>
+          </p:cNvSpPr>
+          <p:nvPr>
+            <p:ph type="body" idx="1"/>
+          </p:nvPr>
+        </p:nvSpPr>
+        <p:spPr/>
+        <p:txBody>
+          <a:bodyPr/>
+          <a:lstStyle/>
+          <a:p>
+            <a:endParaRPr lang="en-US"/>
+          </a:p>
+        </p:txBody>
+      </p:sp>
+      <p:sp>
+        <p:nvSpPr>
+          <p:cNvPr id="4" name="Slide Number Placeholder 3"/>
+          <p:cNvSpPr>
+            <a:spLocks noGrp="1"/>
+          </p:cNvSpPr>
+          <p:nvPr>
+            <p:ph type="sldNum" sz="quarter" idx="10"/>
+          </p:nvPr>
+        </p:nvSpPr>
+        <p:spPr/>
+        <p:txBody>
+          <a:bodyPr/>
+          <a:lstStyle/>
+          <a:p>
+            <a:fld id="{D0C21525-FA02-4EFB-9D77-E9C6E69B6435}" type="slidenum">
+              <a:rPr lang="en-US" smtClean="0"/>
+              <a:t>11</a:t>
+            </a:fld>
+            <a:endParaRPr lang="en-US"/>
+          </a:p>
+        </p:txBody>
+      </p:sp>
+    </p:spTree>
+    <p:extLst>
+      <p:ext uri="{BB962C8B-B14F-4D97-AF65-F5344CB8AC3E}">
+        <p14:creationId xmlns:p14="http://schemas.microsoft.com/office/powerpoint/2010/main" val="3541969974"/>
+      </p:ext>
+    </p:extLst>
+  </p:cSld>
+  <p:clrMapOvr>
+    <a:masterClrMapping/>
+  </p:clrMapOvr>
+</p:notes>
+</file>
+
+<file path=ppt/notesSlides/notesSlide12.xml><?xml version="1.0" encoding="utf-8"?>
+<p:notes xmlns:a="http://schemas.openxmlformats.org/drawingml/2006/main" xmlns:r="http://schemas.openxmlformats.org/officeDocument/2006/relationships" xmlns:p="http://schemas.openxmlformats.org/presentationml/2006/main">
+  <p:cSld>
+    <p:spTree>
+      <p:nvGrpSpPr>
+        <p:cNvPr id="1" name=""/>
+        <p:cNvGrpSpPr/>
+        <p:nvPr/>
+      </p:nvGrpSpPr>
+      <p:grpSpPr>
+        <a:xfrm>
+          <a:off x="0" y="0"/>
+          <a:ext cx="0" cy="0"/>
+          <a:chOff x="0" y="0"/>
+          <a:chExt cx="0" cy="0"/>
+        </a:xfrm>
+      </p:grpSpPr>
+      <p:sp>
+        <p:nvSpPr>
+          <p:cNvPr id="2" name="Slide Image Placeholder 1"/>
+          <p:cNvSpPr>
+            <a:spLocks noGrp="1" noRot="1" noChangeAspect="1"/>
+          </p:cNvSpPr>
+          <p:nvPr>
+            <p:ph type="sldImg"/>
+          </p:nvPr>
+        </p:nvSpPr>
+        <p:spPr/>
+      </p:sp>
+      <p:sp>
+        <p:nvSpPr>
+          <p:cNvPr id="3" name="Notes Placeholder 2"/>
+          <p:cNvSpPr>
+            <a:spLocks noGrp="1"/>
+          </p:cNvSpPr>
+          <p:nvPr>
+            <p:ph type="body" idx="1"/>
+          </p:nvPr>
+        </p:nvSpPr>
+        <p:spPr/>
+        <p:txBody>
+          <a:bodyPr/>
+          <a:lstStyle/>
+          <a:p>
+            <a:endParaRPr lang="en-US"/>
+          </a:p>
+        </p:txBody>
+      </p:sp>
+      <p:sp>
+        <p:nvSpPr>
+          <p:cNvPr id="4" name="Slide Number Placeholder 3"/>
+          <p:cNvSpPr>
+            <a:spLocks noGrp="1"/>
+          </p:cNvSpPr>
+          <p:nvPr>
+            <p:ph type="sldNum" sz="quarter" idx="10"/>
+          </p:nvPr>
+        </p:nvSpPr>
+        <p:spPr/>
+        <p:txBody>
+          <a:bodyPr/>
+          <a:lstStyle/>
+          <a:p>
+            <a:fld id="{D0C21525-FA02-4EFB-9D77-E9C6E69B6435}" type="slidenum">
+              <a:rPr lang="en-US" smtClean="0"/>
+              <a:t>12</a:t>
+            </a:fld>
+            <a:endParaRPr lang="en-US"/>
+          </a:p>
+        </p:txBody>
+      </p:sp>
+    </p:spTree>
+    <p:extLst>
+      <p:ext uri="{BB962C8B-B14F-4D97-AF65-F5344CB8AC3E}">
+        <p14:creationId xmlns:p14="http://schemas.microsoft.com/office/powerpoint/2010/main" val="1486970655"/>
+      </p:ext>
+    </p:extLst>
+  </p:cSld>
+  <p:clrMapOvr>
+    <a:masterClrMapping/>
+  </p:clrMapOvr>
+</p:notes>
+</file>
+
+<file path=ppt/notesSlides/notesSlide13.xml><?xml version="1.0" encoding="utf-8"?>
+<p:notes xmlns:a="http://schemas.openxmlformats.org/drawingml/2006/main" xmlns:r="http://schemas.openxmlformats.org/officeDocument/2006/relationships" xmlns:p="http://schemas.openxmlformats.org/presentationml/2006/main">
+  <p:cSld>
+    <p:spTree>
+      <p:nvGrpSpPr>
+        <p:cNvPr id="1" name=""/>
+        <p:cNvGrpSpPr/>
+        <p:nvPr/>
+      </p:nvGrpSpPr>
+      <p:grpSpPr>
+        <a:xfrm>
+          <a:off x="0" y="0"/>
+          <a:ext cx="0" cy="0"/>
+          <a:chOff x="0" y="0"/>
+          <a:chExt cx="0" cy="0"/>
+        </a:xfrm>
+      </p:grpSpPr>
+      <p:sp>
+        <p:nvSpPr>
+          <p:cNvPr id="2" name="Slide Image Placeholder 1"/>
+          <p:cNvSpPr>
+            <a:spLocks noGrp="1" noRot="1" noChangeAspect="1"/>
+          </p:cNvSpPr>
+          <p:nvPr>
+            <p:ph type="sldImg"/>
+          </p:nvPr>
+        </p:nvSpPr>
+        <p:spPr/>
+      </p:sp>
+      <p:sp>
+        <p:nvSpPr>
+          <p:cNvPr id="3" name="Notes Placeholder 2"/>
+          <p:cNvSpPr>
+            <a:spLocks noGrp="1"/>
+          </p:cNvSpPr>
+          <p:nvPr>
+            <p:ph type="body" idx="1"/>
+          </p:nvPr>
+        </p:nvSpPr>
+        <p:spPr/>
+        <p:txBody>
+          <a:bodyPr/>
+          <a:lstStyle/>
+          <a:p>
+            <a:endParaRPr lang="en-US"/>
+          </a:p>
+        </p:txBody>
+      </p:sp>
+      <p:sp>
+        <p:nvSpPr>
+          <p:cNvPr id="4" name="Slide Number Placeholder 3"/>
+          <p:cNvSpPr>
+            <a:spLocks noGrp="1"/>
+          </p:cNvSpPr>
+          <p:nvPr>
+            <p:ph type="sldNum" sz="quarter" idx="10"/>
+          </p:nvPr>
+        </p:nvSpPr>
+        <p:spPr/>
+        <p:txBody>
+          <a:bodyPr/>
+          <a:lstStyle/>
+          <a:p>
+            <a:fld id="{D0C21525-FA02-4EFB-9D77-E9C6E69B6435}" type="slidenum">
+              <a:rPr lang="en-US" smtClean="0"/>
+              <a:t>13</a:t>
+            </a:fld>
+            <a:endParaRPr lang="en-US"/>
+          </a:p>
+        </p:txBody>
+      </p:sp>
+    </p:spTree>
+    <p:extLst>
+      <p:ext uri="{BB962C8B-B14F-4D97-AF65-F5344CB8AC3E}">
+        <p14:creationId xmlns:p14="http://schemas.microsoft.com/office/powerpoint/2010/main" val="20516375"/>
+      </p:ext>
+    </p:extLst>
+  </p:cSld>
+  <p:clrMapOvr>
+    <a:masterClrMapping/>
+  </p:clrMapOvr>
+</p:notes>
+</file>
+
+<file path=ppt/notesSlides/notesSlide14.xml><?xml version="1.0" encoding="utf-8"?>
+<p:notes xmlns:a="http://schemas.openxmlformats.org/drawingml/2006/main" xmlns:r="http://schemas.openxmlformats.org/officeDocument/2006/relationships" xmlns:p="http://schemas.openxmlformats.org/presentationml/2006/main">
+  <p:cSld>
+    <p:spTree>
+      <p:nvGrpSpPr>
+        <p:cNvPr id="1" name=""/>
+        <p:cNvGrpSpPr/>
+        <p:nvPr/>
+      </p:nvGrpSpPr>
+      <p:grpSpPr>
+        <a:xfrm>
+          <a:off x="0" y="0"/>
+          <a:ext cx="0" cy="0"/>
+          <a:chOff x="0" y="0"/>
+          <a:chExt cx="0" cy="0"/>
+        </a:xfrm>
+      </p:grpSpPr>
+      <p:sp>
+        <p:nvSpPr>
+          <p:cNvPr id="2" name="Slide Image Placeholder 1"/>
+          <p:cNvSpPr>
+            <a:spLocks noGrp="1" noRot="1" noChangeAspect="1"/>
+          </p:cNvSpPr>
+          <p:nvPr>
+            <p:ph type="sldImg"/>
+          </p:nvPr>
+        </p:nvSpPr>
+        <p:spPr/>
+      </p:sp>
+      <p:sp>
+        <p:nvSpPr>
+          <p:cNvPr id="3" name="Notes Placeholder 2"/>
+          <p:cNvSpPr>
+            <a:spLocks noGrp="1"/>
+          </p:cNvSpPr>
+          <p:nvPr>
+            <p:ph type="body" idx="1"/>
+          </p:nvPr>
+        </p:nvSpPr>
+        <p:spPr/>
+        <p:txBody>
+          <a:bodyPr/>
+          <a:lstStyle/>
+          <a:p>
+            <a:r>
+              <a:rPr lang="en-US" sz="1200" kern="1200" dirty="0">
+                <a:solidFill>
+                  <a:schemeClr val="tx1"/>
+                </a:solidFill>
+                <a:effectLst/>
+                <a:latin typeface="+mn-lt"/>
+                <a:ea typeface="+mn-ea"/>
+                <a:cs typeface="+mn-cs"/>
+              </a:rPr>
+              <a:t>Tips, Tricks and Field Experiences Value of Certification: I want to make sure you are on board with the value of certification. Certification can offer many advantages including: getting a raise at your next review, preparing you for new job opportunities, increasing the likelihood your resume will be seen by the hiring manager, increasing your self confidence, increase you image (how people see you) in your business and in your social circles, lines on your resume, most hiring managers consider certification as part of their hiring criteria, you get experience while preparing for certification,…. and the list could go on and on. The fact of the matter is there is never any shortage of reasons why we should get certified. I am glad you have read this far… Make the decision to read this article in it’s entirety, then GET STARTED!!! Write down the reasons you want to obtain certification and look at them daily. Recognize Accomplishments: Recognize your accomplishments not matter how small. Feel good about the fact that you finished reading this article and realize that having done so has gotten you one step closer to obtaining your MCP in the Azure Cloud. Each time you finish something, even if it is just watching a 20 min video or reading a blog post that is relevant to the exam, recognize to yourself that it is a positive step in the right direction. Reflect back on why you want to do this in the first place. Get Family On Board: Often having family (spouse, kids, </a:t>
+            </a:r>
+            <a:r>
+              <a:rPr lang="en-US" sz="1200" kern="1200" dirty="0" err="1">
+                <a:solidFill>
+                  <a:schemeClr val="tx1"/>
+                </a:solidFill>
+                <a:effectLst/>
+                <a:latin typeface="+mn-lt"/>
+                <a:ea typeface="+mn-ea"/>
+                <a:cs typeface="+mn-cs"/>
+              </a:rPr>
+              <a:t>etc</a:t>
+            </a:r>
+            <a:r>
+              <a:rPr lang="en-US" sz="1200" kern="1200" dirty="0">
+                <a:solidFill>
+                  <a:schemeClr val="tx1"/>
+                </a:solidFill>
+                <a:effectLst/>
+                <a:latin typeface="+mn-lt"/>
+                <a:ea typeface="+mn-ea"/>
+                <a:cs typeface="+mn-cs"/>
+              </a:rPr>
+              <a:t>) on board with your goals and objectives will help you stay the course. Engage them, offer the kids a night out at Dave &amp; Busters or an ice cream shop once you pass the exam. Show them your great study habits, maybe they will pick some of them up for their school studies. Excuses: Excuses for not getting certified are easy to come by… I do not have time, can’t concentrate because of the kids, tired when home from work, my boss does not care anyway, it will not help me in my job… and on and on… Give it up! Stop making excuses; stop procrastinating and make the decision to put your career in motion! Keep doing what you have been doing, and you will keep getting what you have always gotten. Value of time: Put a value on your time. What is your time worth? When I was a consultant billing out $250 an hour, that was the value I had on my time. Now it is often somewhat less. Now, during my busy season, I use a value of $100 per hour. During my slow season, when I am much less stressed and work fewer hours, I use a value of $50 per hour. During the summer, family time, the value shoots back up to $250. This may seam silly but it will help you prioritize your time. It will also help you justify purchases. When you consider purchasing a $40 book it will be a no brainer. Spending $40 will potentially save you dozens of hours of time because you will be studying exactly what you need to know, nothing more, nothing less. It may help you decide you should just be taking a class to get this behind you quickly. Even if you just use a value of $10 per hour, it is important to pick a value for your time! If you are broke and have a zero value for your time, fake it. Put a value on your time anyway it will help you prioritize. Even if it is only $1, is sitting in front of the tube watching a sitcom by yourself worth a dollar? Not usually, get up and pick up a book or watch a certification video instead! Dedicated Study time: Set time on the calendar every day or every week for preparation. Just like any other appointment, take the attitude that you have to be there at the scheduled time to perform the duties that are expected of you. Blocking the time on the calendar then sticking to it is likely the single best thing you can do to help you succeed. Figure out what works best for you. Maybe it is 30 mins every day at lunch? How about 45 hour every night from 8:15pm-9:00pm? Whatever time block works for you is great. Personally, I find the best time for me is in the morning before work. This is when I am the most alert and can absorb the most information. I tend to get into the office before others, so I leverage the quite time as my personal development time. Try it, go into the office 45 minutes early to see if that works for you. You have to stick with it though, if you do it once and get distracted, don’t give up, try it a few more times. If people bug you, put a sign up letting them know you will be available for questions at 9:00am or whatever time you actually start working. Personally, when I am cramming, I will often spend 3-4 hours a day. I suffer from insomnia so I have plenty of extra time in my day. I prioritize that time on preparation. Ultra Focus With Intent: When you sit down to study, don’t take it lightly. Stay hyper-focused on learning. Don’t let your mind wander. You are on a very important mission. That mission is to learn as rapidly as possible. If you do this you will find that you will retain far more information and you will be able to consume it much faster. Read Faster: You can read faster. Use your ultra focus, it is a must to achieve this one. While reading, move your finger across the page or the screen at a steady pace, do not stop your finger, make sure your eyes focus on the word over your finger. It is ok if you miss a word or two, DO NOT GO BACK! Then when you master that move your finger faster, then faster, then faster. Eventually, you will be able to do this without the use of your finger as an aid. Objective: Recognize your objective when you set out to take an exam. The objective should be to “Pass the Exam”. Kind of self explanatory right? Not… Some people think, and will tell you that you have to learn everything about the topic in order to pass the exam. Total crap! Learn what you have to learn to pass the test, then leverage that knowledge to learn more as you progress your career. Study Smart: I have studied for many exams and hold more certifications than I can put in my signature block. What I have found in preparing for all the exams I have taken is “it is easy to study the wrong thing”. You know, you go to a blog post or a white paper to get information about an exam and they are telling you to read some 380 page document or white paper. That is bogus, don’t waste you time. I would guess that if you did read that document, you may learn more and maybe get one or two more questions right. But at what cost? Better to cover the materials on the test than, everything there is to know about a topic. More on this later! Objective: Recognize your objective when you set out to take an exam. The objective should be to “Pass the Exam”. Kind of self explanatory right? Not… Some people think, and will tell you that you have to learn everything about the topic in order to pass the exam. Total crap! Learn what you have to learn to pass the test, then leverage that knowledge to learn more as you progress your career. Exam Reference Material: There is often plenty of exam reference material available. Often it is even free. I will point you to some of it later in this article. If you do not mind spending a bit of money, I strongly recommend you just start with an exam reference guide. This could be much faster than spending countless hours learning what may or may not be on the exam. I am personally not a fan of just studying exam questions. I do find them useful, I just find having more context around the topic helps me retain it. by all means, try the practice tests, they be </a:t>
+            </a:r>
+            <a:r>
+              <a:rPr lang="en-US" sz="1200" kern="1200" dirty="0" err="1">
+                <a:solidFill>
+                  <a:schemeClr val="tx1"/>
+                </a:solidFill>
+                <a:effectLst/>
+                <a:latin typeface="+mn-lt"/>
+                <a:ea typeface="+mn-ea"/>
+                <a:cs typeface="+mn-cs"/>
+              </a:rPr>
+              <a:t>be</a:t>
+            </a:r>
+            <a:r>
+              <a:rPr lang="en-US" sz="1200" kern="1200" dirty="0">
+                <a:solidFill>
+                  <a:schemeClr val="tx1"/>
+                </a:solidFill>
+                <a:effectLst/>
+                <a:latin typeface="+mn-lt"/>
+                <a:ea typeface="+mn-ea"/>
+                <a:cs typeface="+mn-cs"/>
+              </a:rPr>
+              <a:t> helpful for you. Practice &amp; Experience: There is no substitute for practice other than maybe experience! Use the technology you are trying to learn. If you have the ability to use the technology in your job, even better! Take advantage of these opportunities. If the opportunities are not there, go out of your way to make opportunities. Think about how you might be able to use this technology in your job, then justify to yourself why it is important to understand the technology for your job. Most employers want their staff IT staff to keep up with technology. They often also will accept that you do it partially on work time. Especially if they know you are spending a bunch of personal time learning. Even if it is just setting up a lab environment, getting your hands dirty will go a very long way to you understanding the technology. Exam Objectives: Most exams (and all of Microsoft exams) have well documented Exam Objectives or Skills Measured. Use the Exam Objectives as a “list of things to learn”. Print out the exam objectives and check them off one at a time, as you search that topic and spend time learning it. For the cloud exam, I have done much of the work for you, you can just print this blog post. Like writing a book: I am in the process of writing a book on a certification exam. When writing a book on a topic, you do not automatically know everything there is to know about that topic. You are generally not in a situation where you know it all and want to write a book to share your vast knowledge on the subject. On the contrary, you may know a bunch about the topic, but to teach people everything they need to know to pass the test, you have to learn much, much more. The way I do this is using the Exam Objectives. I research &amp; learn what I can on each exam objectives, teaching and writing as I go. One of the other things you do prior to writing a book is, take the test. Take the test: Take the test, get a feel for what is on it. Microsoft offers a “2nd shot” so you can take the test a second time for free. Once you have gone through all of the exam objectives one time quickly, take the test to see how you do. This will give you a report so you can see what you need to study. As you are studying you will remember exam questions so you will know the relevance. After you pass the exam, if you want to learn more, use the exam report to study the things you did not ace (if you are so inclined.) What Exam: Figuring out what is the best exam to take next is often a challenge. Really though, it does not matter. See https://www.microsoft.com/learning whichever exam you chose will likely prepare you for what is next in your professional life because getting certified will make you better at it! If you are a general or specialized IT person start with 70-533. If you are a developer, start with 70-532. If you are an architect or infrastructure designer start with 70-534. If you are not sure, start with 70-533. Whatever you do, just start NOW! Once you pass the first cloud exam, go back and study the next one. Then repeat until you have passed them all. By then you should have caught the bug (the high that comes with a great accomplishment) and you will pick another topic and repeat! - See more at: http://itproguru.com/expert/2015/03/azure-cloud-certification-jump-start-70-532-70-533-70-534-exam-preparation/#sthash.sDikFZa4.dpuf</a:t>
+            </a:r>
+            <a:endParaRPr lang="en-US" dirty="0"/>
+          </a:p>
+        </p:txBody>
+      </p:sp>
+      <p:sp>
+        <p:nvSpPr>
+          <p:cNvPr id="4" name="Slide Number Placeholder 3"/>
+          <p:cNvSpPr>
+            <a:spLocks noGrp="1"/>
+          </p:cNvSpPr>
+          <p:nvPr>
+            <p:ph type="sldNum" sz="quarter" idx="10"/>
+          </p:nvPr>
+        </p:nvSpPr>
+        <p:spPr/>
+        <p:txBody>
+          <a:bodyPr/>
+          <a:lstStyle/>
+          <a:p>
+            <a:fld id="{3C6E4902-292F-4370-AFC1-6D92B180E54E}" type="slidenum">
+              <a:rPr lang="en-US" smtClean="0"/>
+              <a:t>14</a:t>
+            </a:fld>
+            <a:endParaRPr lang="en-US"/>
+          </a:p>
+        </p:txBody>
+      </p:sp>
+    </p:spTree>
+    <p:extLst>
+      <p:ext uri="{BB962C8B-B14F-4D97-AF65-F5344CB8AC3E}">
+        <p14:creationId xmlns:p14="http://schemas.microsoft.com/office/powerpoint/2010/main" val="2920534584"/>
+      </p:ext>
+    </p:extLst>
+  </p:cSld>
+  <p:clrMapOvr>
+    <a:masterClrMapping/>
+  </p:clrMapOvr>
+</p:notes>
+</file>
+
+<file path=ppt/notesSlides/notesSlide15.xml><?xml version="1.0" encoding="utf-8"?>
+<p:notes xmlns:a="http://schemas.openxmlformats.org/drawingml/2006/main" xmlns:r="http://schemas.openxmlformats.org/officeDocument/2006/relationships" xmlns:p="http://schemas.openxmlformats.org/presentationml/2006/main">
+  <p:cSld>
+    <p:spTree>
+      <p:nvGrpSpPr>
+        <p:cNvPr id="1" name=""/>
+        <p:cNvGrpSpPr/>
+        <p:nvPr/>
+      </p:nvGrpSpPr>
+      <p:grpSpPr>
+        <a:xfrm>
+          <a:off x="0" y="0"/>
+          <a:ext cx="0" cy="0"/>
+          <a:chOff x="0" y="0"/>
+          <a:chExt cx="0" cy="0"/>
+        </a:xfrm>
+      </p:grpSpPr>
+      <p:sp>
+        <p:nvSpPr>
+          <p:cNvPr id="2" name="Slide Image Placeholder 1"/>
+          <p:cNvSpPr>
+            <a:spLocks noGrp="1" noRot="1" noChangeAspect="1"/>
+          </p:cNvSpPr>
+          <p:nvPr>
+            <p:ph type="sldImg"/>
+          </p:nvPr>
+        </p:nvSpPr>
+        <p:spPr/>
+      </p:sp>
+      <p:sp>
+        <p:nvSpPr>
+          <p:cNvPr id="3" name="Notes Placeholder 2"/>
+          <p:cNvSpPr>
+            <a:spLocks noGrp="1"/>
+          </p:cNvSpPr>
+          <p:nvPr>
+            <p:ph type="body" idx="1"/>
+          </p:nvPr>
+        </p:nvSpPr>
+        <p:spPr/>
+        <p:txBody>
+          <a:bodyPr/>
+          <a:lstStyle/>
+          <a:p>
+            <a:endParaRPr lang="en-US"/>
+          </a:p>
+        </p:txBody>
+      </p:sp>
+      <p:sp>
+        <p:nvSpPr>
+          <p:cNvPr id="4" name="Slide Number Placeholder 3"/>
+          <p:cNvSpPr>
+            <a:spLocks noGrp="1"/>
+          </p:cNvSpPr>
+          <p:nvPr>
+            <p:ph type="sldNum" sz="quarter" idx="10"/>
+          </p:nvPr>
+        </p:nvSpPr>
+        <p:spPr/>
+        <p:txBody>
+          <a:bodyPr/>
+          <a:lstStyle/>
+          <a:p>
+            <a:fld id="{D0C21525-FA02-4EFB-9D77-E9C6E69B6435}" type="slidenum">
+              <a:rPr lang="en-US" smtClean="0"/>
+              <a:t>15</a:t>
+            </a:fld>
+            <a:endParaRPr lang="en-US"/>
+          </a:p>
+        </p:txBody>
+      </p:sp>
+    </p:spTree>
+    <p:extLst>
+      <p:ext uri="{BB962C8B-B14F-4D97-AF65-F5344CB8AC3E}">
+        <p14:creationId xmlns:p14="http://schemas.microsoft.com/office/powerpoint/2010/main" val="2101680349"/>
+      </p:ext>
+    </p:extLst>
+  </p:cSld>
+  <p:clrMapOvr>
+    <a:masterClrMapping/>
+  </p:clrMapOvr>
+</p:notes>
+</file>
+
+<file path=ppt/notesSlides/notesSlide16.xml><?xml version="1.0" encoding="utf-8"?>
+<p:notes xmlns:a="http://schemas.openxmlformats.org/drawingml/2006/main" xmlns:r="http://schemas.openxmlformats.org/officeDocument/2006/relationships" xmlns:p="http://schemas.openxmlformats.org/presentationml/2006/main">
+  <p:cSld>
+    <p:spTree>
+      <p:nvGrpSpPr>
+        <p:cNvPr id="1" name=""/>
+        <p:cNvGrpSpPr/>
+        <p:nvPr/>
+      </p:nvGrpSpPr>
+      <p:grpSpPr>
+        <a:xfrm>
+          <a:off x="0" y="0"/>
+          <a:ext cx="0" cy="0"/>
+          <a:chOff x="0" y="0"/>
+          <a:chExt cx="0" cy="0"/>
+        </a:xfrm>
+      </p:grpSpPr>
+      <p:sp>
+        <p:nvSpPr>
+          <p:cNvPr id="2" name="Slide Image Placeholder 1"/>
+          <p:cNvSpPr>
+            <a:spLocks noGrp="1" noRot="1" noChangeAspect="1"/>
+          </p:cNvSpPr>
+          <p:nvPr>
+            <p:ph type="sldImg"/>
+          </p:nvPr>
+        </p:nvSpPr>
+        <p:spPr/>
+      </p:sp>
+      <p:sp>
+        <p:nvSpPr>
+          <p:cNvPr id="3" name="Notes Placeholder 2"/>
+          <p:cNvSpPr>
+            <a:spLocks noGrp="1"/>
+          </p:cNvSpPr>
+          <p:nvPr>
+            <p:ph type="body" idx="1"/>
+          </p:nvPr>
+        </p:nvSpPr>
+        <p:spPr/>
+        <p:txBody>
+          <a:bodyPr/>
+          <a:lstStyle/>
+          <a:p>
+            <a:r>
+              <a:rPr lang="en-US" dirty="0"/>
+              <a:t>MORE Questions to ask customers...</a:t>
+            </a:r>
+          </a:p>
+          <a:p>
+            <a:pPr>
+              <a:buFont typeface="+mj-lt"/>
+              <a:buAutoNum type="arabicPeriod"/>
+            </a:pPr>
+            <a:r>
+              <a:rPr lang="en-US" dirty="0">
+                <a:latin typeface="Calibri" panose="020F0502020204030204" pitchFamily="34" charset="0"/>
+              </a:rPr>
+              <a:t>What Opportunities do you see in your organization where Azure might be able to help?</a:t>
+            </a:r>
+            <a:endParaRPr lang="en-US" dirty="0"/>
+          </a:p>
+          <a:p>
+            <a:pPr>
+              <a:buFont typeface="+mj-lt"/>
+              <a:buAutoNum type="arabicPeriod"/>
+            </a:pPr>
+            <a:r>
+              <a:rPr lang="en-US" dirty="0">
+                <a:latin typeface="Calibri" panose="020F0502020204030204" pitchFamily="34" charset="0"/>
+              </a:rPr>
+              <a:t>What Ideas or projects do you have where Azure can help you or your company?</a:t>
+            </a:r>
+            <a:endParaRPr lang="en-US" dirty="0"/>
+          </a:p>
+          <a:p>
+            <a:pPr>
+              <a:buFont typeface="+mj-lt"/>
+              <a:buAutoNum type="arabicPeriod"/>
+            </a:pPr>
+            <a:r>
+              <a:rPr lang="en-US" dirty="0">
+                <a:latin typeface="Calibri" panose="020F0502020204030204" pitchFamily="34" charset="0"/>
+              </a:rPr>
+              <a:t>Do you have any questions or concerns as you move forward with Azure?</a:t>
+            </a:r>
+            <a:endParaRPr lang="en-US" dirty="0"/>
+          </a:p>
+          <a:p>
+            <a:pPr>
+              <a:buFont typeface="+mj-lt"/>
+              <a:buAutoNum type="arabicPeriod"/>
+            </a:pPr>
+            <a:r>
+              <a:rPr lang="en-US" dirty="0">
+                <a:latin typeface="Calibri" panose="020F0502020204030204" pitchFamily="34" charset="0"/>
+              </a:rPr>
+              <a:t>What do you think about the event</a:t>
+            </a:r>
+            <a:endParaRPr lang="en-US" dirty="0"/>
+          </a:p>
+          <a:p>
+            <a:pPr>
+              <a:buFont typeface="+mj-lt"/>
+              <a:buAutoNum type="arabicPeriod"/>
+            </a:pPr>
+            <a:r>
+              <a:rPr lang="en-US" dirty="0">
+                <a:latin typeface="Calibri" panose="020F0502020204030204" pitchFamily="34" charset="0"/>
+              </a:rPr>
+              <a:t>How do you feel about the content and delivery model?</a:t>
+            </a:r>
+            <a:endParaRPr lang="en-US" dirty="0"/>
+          </a:p>
+          <a:p>
+            <a:pPr>
+              <a:buFont typeface="+mj-lt"/>
+              <a:buAutoNum type="arabicPeriod"/>
+            </a:pPr>
+            <a:r>
+              <a:rPr lang="en-US" dirty="0">
+                <a:latin typeface="Calibri" panose="020F0502020204030204" pitchFamily="34" charset="0"/>
+              </a:rPr>
+              <a:t>How can your new skills help you progress in your company or in your career?</a:t>
+            </a:r>
+            <a:endParaRPr lang="en-US" dirty="0"/>
+          </a:p>
+          <a:p>
+            <a:pPr>
+              <a:buFont typeface="+mj-lt"/>
+              <a:buAutoNum type="arabicPeriod"/>
+            </a:pPr>
+            <a:r>
+              <a:rPr lang="en-US" dirty="0">
+                <a:latin typeface="Calibri" panose="020F0502020204030204" pitchFamily="34" charset="0"/>
+              </a:rPr>
+              <a:t>Do you know of anything that is working or not working related to leveraging Azure in your org?</a:t>
+            </a:r>
+            <a:endParaRPr lang="en-US" dirty="0"/>
+          </a:p>
+          <a:p>
+            <a:pPr>
+              <a:buFont typeface="+mj-lt"/>
+              <a:buAutoNum type="arabicPeriod"/>
+            </a:pPr>
+            <a:r>
+              <a:rPr lang="en-US" dirty="0">
+                <a:latin typeface="Calibri" panose="020F0502020204030204" pitchFamily="34" charset="0"/>
+              </a:rPr>
+              <a:t>What did you feel was the biggest benefit from this upskilling event?</a:t>
+            </a:r>
+            <a:endParaRPr lang="en-US" dirty="0"/>
+          </a:p>
+          <a:p>
+            <a:pPr>
+              <a:buFont typeface="+mj-lt"/>
+              <a:buAutoNum type="arabicPeriod"/>
+            </a:pPr>
+            <a:r>
+              <a:rPr lang="en-US" dirty="0"/>
+              <a:t>Have you recommended new processes or application ideas yet?  Do you have ideas you may eventually be able to pitch?</a:t>
+            </a:r>
+          </a:p>
+          <a:p>
+            <a:pPr>
+              <a:buFont typeface="+mj-lt"/>
+              <a:buAutoNum type="arabicPeriod"/>
+            </a:pPr>
+            <a:r>
+              <a:rPr lang="en-US" dirty="0">
+                <a:latin typeface="Calibri" panose="020F0502020204030204" pitchFamily="34" charset="0"/>
+              </a:rPr>
+              <a:t>What business or technology challenges could be addressed by the skills you sharpened during this training?</a:t>
+            </a:r>
+            <a:r>
+              <a:rPr lang="en-US" dirty="0"/>
+              <a:t> </a:t>
+            </a:r>
+          </a:p>
+          <a:p>
+            <a:pPr>
+              <a:buFont typeface="+mj-lt"/>
+              <a:buAutoNum type="arabicPeriod"/>
+            </a:pPr>
+            <a:r>
+              <a:rPr lang="en-US" dirty="0"/>
+              <a:t>?? Do you know who the best person would be for me to talk to about DevOps?</a:t>
+            </a:r>
+          </a:p>
+          <a:p>
+            <a:pPr>
+              <a:buFont typeface="+mj-lt"/>
+              <a:buAutoNum type="arabicPeriod"/>
+            </a:pPr>
+            <a:r>
+              <a:rPr lang="en-US" dirty="0"/>
+              <a:t>?? Do you know who the best person would be for me to talk about Data and Analytics?</a:t>
+            </a:r>
+          </a:p>
+          <a:p>
+            <a:endParaRPr lang="en-US" dirty="0"/>
+          </a:p>
+        </p:txBody>
+      </p:sp>
+      <p:sp>
+        <p:nvSpPr>
+          <p:cNvPr id="4" name="Slide Number Placeholder 3"/>
+          <p:cNvSpPr>
+            <a:spLocks noGrp="1"/>
+          </p:cNvSpPr>
+          <p:nvPr>
+            <p:ph type="sldNum" sz="quarter" idx="10"/>
+          </p:nvPr>
+        </p:nvSpPr>
+        <p:spPr/>
+        <p:txBody>
+          <a:bodyPr/>
+          <a:lstStyle/>
+          <a:p>
+            <a:fld id="{D0C21525-FA02-4EFB-9D77-E9C6E69B6435}" type="slidenum">
+              <a:rPr lang="en-US" smtClean="0"/>
+              <a:t>16</a:t>
+            </a:fld>
+            <a:endParaRPr lang="en-US"/>
+          </a:p>
+        </p:txBody>
+      </p:sp>
+    </p:spTree>
+    <p:extLst>
+      <p:ext uri="{BB962C8B-B14F-4D97-AF65-F5344CB8AC3E}">
+        <p14:creationId xmlns:p14="http://schemas.microsoft.com/office/powerpoint/2010/main" val="2247272080"/>
+      </p:ext>
+    </p:extLst>
+  </p:cSld>
+  <p:clrMapOvr>
+    <a:masterClrMapping/>
+  </p:clrMapOvr>
+</p:notes>
+</file>
+
+<file path=ppt/notesSlides/notesSlide17.xml><?xml version="1.0" encoding="utf-8"?>
+<p:notes xmlns:a="http://schemas.openxmlformats.org/drawingml/2006/main" xmlns:r="http://schemas.openxmlformats.org/officeDocument/2006/relationships" xmlns:p="http://schemas.openxmlformats.org/presentationml/2006/main">
+  <p:cSld>
+    <p:spTree>
+      <p:nvGrpSpPr>
+        <p:cNvPr id="1" name=""/>
+        <p:cNvGrpSpPr/>
+        <p:nvPr/>
+      </p:nvGrpSpPr>
+      <p:grpSpPr>
+        <a:xfrm>
+          <a:off x="0" y="0"/>
+          <a:ext cx="0" cy="0"/>
+          <a:chOff x="0" y="0"/>
+          <a:chExt cx="0" cy="0"/>
+        </a:xfrm>
+      </p:grpSpPr>
+      <p:sp>
+        <p:nvSpPr>
+          <p:cNvPr id="2" name="Slide Image Placeholder 1"/>
+          <p:cNvSpPr>
+            <a:spLocks noGrp="1" noRot="1" noChangeAspect="1"/>
+          </p:cNvSpPr>
+          <p:nvPr>
+            <p:ph type="sldImg"/>
+          </p:nvPr>
+        </p:nvSpPr>
+        <p:spPr/>
+      </p:sp>
+      <p:sp>
+        <p:nvSpPr>
+          <p:cNvPr id="3" name="Notes Placeholder 2"/>
+          <p:cNvSpPr>
+            <a:spLocks noGrp="1"/>
+          </p:cNvSpPr>
+          <p:nvPr>
+            <p:ph type="body" idx="1"/>
+          </p:nvPr>
+        </p:nvSpPr>
+        <p:spPr/>
+        <p:txBody>
+          <a:bodyPr/>
+          <a:lstStyle/>
+          <a:p>
+            <a:pPr rtl="0"/>
+            <a:r>
+              <a:rPr lang="en-US" sz="900" u="sng" dirty="0">
+                <a:solidFill>
+                  <a:schemeClr val="tx2"/>
+                </a:solidFill>
+              </a:rPr>
+              <a:t>http://aka.ms/70-534 – Once it goes live..</a:t>
+            </a:r>
+            <a:endParaRPr lang="en-US" dirty="0">
+              <a:effectLst/>
+            </a:endParaRPr>
+          </a:p>
+          <a:p>
+            <a:pPr rtl="0"/>
+            <a:r>
+              <a:rPr lang="en-US" dirty="0">
+                <a:effectLst/>
+              </a:rPr>
+              <a:t>Learn what you need to know to become a certified Azure Solutions Architect. We will go through the lessons found in the book 70-534 Architecting Microsoft Azure Solutions. We will wrap things up with our speakers (and authors of the book) doing a book signing so bring your copy of the book.</a:t>
+            </a:r>
+          </a:p>
+          <a:p>
+            <a:pPr rtl="0"/>
+            <a:r>
+              <a:rPr lang="en-US" dirty="0">
+                <a:effectLst/>
+              </a:rPr>
+              <a:t>70-534 Introduction</a:t>
+            </a:r>
+          </a:p>
+          <a:p>
+            <a:pPr rtl="0"/>
+            <a:r>
+              <a:rPr lang="en-US" dirty="0">
+                <a:effectLst/>
+              </a:rPr>
+              <a:t>Exam Tips and Tricks</a:t>
+            </a:r>
+          </a:p>
+          <a:p>
+            <a:pPr rtl="0"/>
+            <a:r>
+              <a:rPr lang="en-US" dirty="0">
+                <a:effectLst/>
+              </a:rPr>
+              <a:t>Design an advanced application (15–20%)</a:t>
+            </a:r>
+          </a:p>
+          <a:p>
+            <a:pPr rtl="0"/>
+            <a:r>
+              <a:rPr lang="en-US" dirty="0">
+                <a:effectLst/>
+              </a:rPr>
+              <a:t>Design websites (15–20%)</a:t>
+            </a:r>
+          </a:p>
+          <a:p>
+            <a:pPr rtl="0"/>
+            <a:r>
+              <a:rPr lang="en-US" dirty="0">
+                <a:effectLst/>
+              </a:rPr>
+              <a:t>Design a management, monitoring, and business continuity strategy (15–20%)</a:t>
+            </a:r>
+          </a:p>
+          <a:p>
+            <a:pPr rtl="0"/>
+            <a:r>
+              <a:rPr lang="en-US" dirty="0">
+                <a:effectLst/>
+              </a:rPr>
+              <a:t>Design Microsoft Azure infrastructure and networking (15–20%)</a:t>
+            </a:r>
+          </a:p>
+          <a:p>
+            <a:pPr rtl="0"/>
+            <a:r>
+              <a:rPr lang="en-US" dirty="0">
+                <a:effectLst/>
+              </a:rPr>
+              <a:t>Secure resources (15–20%)</a:t>
+            </a:r>
+          </a:p>
+          <a:p>
+            <a:pPr rtl="0"/>
+            <a:r>
+              <a:rPr lang="en-US" dirty="0">
+                <a:effectLst/>
+              </a:rPr>
+              <a:t>Design an application storage and data access strategy (15–20%)</a:t>
+            </a:r>
+          </a:p>
+          <a:p>
+            <a:pPr rtl="0"/>
+            <a:r>
+              <a:rPr lang="en-US" dirty="0">
+                <a:effectLst/>
+              </a:rPr>
+              <a:t>Field Experiences</a:t>
+            </a:r>
+          </a:p>
+          <a:p>
+            <a:pPr rtl="0"/>
+            <a:r>
+              <a:rPr lang="en-US" dirty="0">
+                <a:effectLst/>
+              </a:rPr>
+              <a:t>Book Signing – Authors Dan Stolts, Steve Maier</a:t>
+            </a:r>
+          </a:p>
+          <a:p>
+            <a:endParaRPr lang="en-US" dirty="0"/>
+          </a:p>
+        </p:txBody>
+      </p:sp>
+      <p:sp>
+        <p:nvSpPr>
+          <p:cNvPr id="4" name="Slide Number Placeholder 3"/>
+          <p:cNvSpPr>
+            <a:spLocks noGrp="1"/>
+          </p:cNvSpPr>
+          <p:nvPr>
+            <p:ph type="sldNum" sz="quarter" idx="10"/>
+          </p:nvPr>
+        </p:nvSpPr>
+        <p:spPr/>
+        <p:txBody>
+          <a:bodyPr/>
+          <a:lstStyle/>
+          <a:p>
+            <a:fld id="{C4CA44E0-6ABB-4CBD-8351-69864DC90CE7}" type="slidenum">
+              <a:rPr lang="en-US" smtClean="0"/>
+              <a:t>17</a:t>
+            </a:fld>
+            <a:endParaRPr lang="en-US"/>
+          </a:p>
+        </p:txBody>
+      </p:sp>
+    </p:spTree>
+    <p:extLst>
+      <p:ext uri="{BB962C8B-B14F-4D97-AF65-F5344CB8AC3E}">
+        <p14:creationId xmlns:p14="http://schemas.microsoft.com/office/powerpoint/2010/main" val="885282638"/>
+      </p:ext>
+    </p:extLst>
+  </p:cSld>
+  <p:clrMapOvr>
+    <a:masterClrMapping/>
+  </p:clrMapOvr>
+</p:notes>
+</file>
+
+<file path=ppt/notesSlides/notesSlide18.xml><?xml version="1.0" encoding="utf-8"?>
+<p:notes xmlns:a="http://schemas.openxmlformats.org/drawingml/2006/main" xmlns:r="http://schemas.openxmlformats.org/officeDocument/2006/relationships" xmlns:p="http://schemas.openxmlformats.org/presentationml/2006/main">
+  <p:cSld>
+    <p:spTree>
+      <p:nvGrpSpPr>
+        <p:cNvPr id="1" name=""/>
+        <p:cNvGrpSpPr/>
+        <p:nvPr/>
+      </p:nvGrpSpPr>
+      <p:grpSpPr>
+        <a:xfrm>
+          <a:off x="0" y="0"/>
+          <a:ext cx="0" cy="0"/>
+          <a:chOff x="0" y="0"/>
+          <a:chExt cx="0" cy="0"/>
+        </a:xfrm>
+      </p:grpSpPr>
+      <p:sp>
+        <p:nvSpPr>
+          <p:cNvPr id="2" name="Slide Image Placeholder 1"/>
+          <p:cNvSpPr>
+            <a:spLocks noGrp="1" noRot="1" noChangeAspect="1"/>
+          </p:cNvSpPr>
+          <p:nvPr>
+            <p:ph type="sldImg"/>
+          </p:nvPr>
+        </p:nvSpPr>
+        <p:spPr/>
+      </p:sp>
+      <p:sp>
+        <p:nvSpPr>
+          <p:cNvPr id="3" name="Notes Placeholder 2"/>
+          <p:cNvSpPr>
+            <a:spLocks noGrp="1"/>
+          </p:cNvSpPr>
+          <p:nvPr>
+            <p:ph type="body" idx="1"/>
+          </p:nvPr>
+        </p:nvSpPr>
+        <p:spPr/>
+        <p:txBody>
+          <a:bodyPr/>
+          <a:lstStyle/>
+          <a:p>
+            <a:endParaRPr lang="en-US"/>
+          </a:p>
+        </p:txBody>
+      </p:sp>
+      <p:sp>
+        <p:nvSpPr>
+          <p:cNvPr id="4" name="Slide Number Placeholder 3"/>
+          <p:cNvSpPr>
+            <a:spLocks noGrp="1"/>
+          </p:cNvSpPr>
+          <p:nvPr>
+            <p:ph type="sldNum" sz="quarter" idx="10"/>
+          </p:nvPr>
+        </p:nvSpPr>
+        <p:spPr/>
+        <p:txBody>
+          <a:bodyPr/>
+          <a:lstStyle/>
+          <a:p>
+            <a:fld id="{D0C21525-FA02-4EFB-9D77-E9C6E69B6435}" type="slidenum">
+              <a:rPr lang="en-US" smtClean="0"/>
+              <a:t>18</a:t>
+            </a:fld>
+            <a:endParaRPr lang="en-US"/>
+          </a:p>
+        </p:txBody>
+      </p:sp>
+    </p:spTree>
+    <p:extLst>
+      <p:ext uri="{BB962C8B-B14F-4D97-AF65-F5344CB8AC3E}">
+        <p14:creationId xmlns:p14="http://schemas.microsoft.com/office/powerpoint/2010/main" val="1029403410"/>
+      </p:ext>
+    </p:extLst>
+  </p:cSld>
+  <p:clrMapOvr>
+    <a:masterClrMapping/>
+  </p:clrMapOvr>
+</p:notes>
+</file>
+
+<file path=ppt/notesSlides/notesSlide19.xml><?xml version="1.0" encoding="utf-8"?>
+<p:notes xmlns:a="http://schemas.openxmlformats.org/drawingml/2006/main" xmlns:r="http://schemas.openxmlformats.org/officeDocument/2006/relationships" xmlns:p="http://schemas.openxmlformats.org/presentationml/2006/main">
+  <p:cSld>
+    <p:spTree>
+      <p:nvGrpSpPr>
+        <p:cNvPr id="1" name=""/>
+        <p:cNvGrpSpPr/>
+        <p:nvPr/>
+      </p:nvGrpSpPr>
+      <p:grpSpPr>
+        <a:xfrm>
+          <a:off x="0" y="0"/>
+          <a:ext cx="0" cy="0"/>
+          <a:chOff x="0" y="0"/>
+          <a:chExt cx="0" cy="0"/>
+        </a:xfrm>
+      </p:grpSpPr>
+      <p:sp>
+        <p:nvSpPr>
+          <p:cNvPr id="2" name="Slide Image Placeholder 1"/>
+          <p:cNvSpPr>
+            <a:spLocks noGrp="1" noRot="1" noChangeAspect="1"/>
+          </p:cNvSpPr>
+          <p:nvPr>
+            <p:ph type="sldImg"/>
+          </p:nvPr>
+        </p:nvSpPr>
+        <p:spPr/>
+      </p:sp>
+      <p:sp>
+        <p:nvSpPr>
+          <p:cNvPr id="3" name="Notes Placeholder 2"/>
+          <p:cNvSpPr>
+            <a:spLocks noGrp="1"/>
+          </p:cNvSpPr>
+          <p:nvPr>
+            <p:ph type="body" idx="1"/>
+          </p:nvPr>
+        </p:nvSpPr>
+        <p:spPr/>
+        <p:txBody>
+          <a:bodyPr/>
+          <a:lstStyle/>
+          <a:p>
+            <a:endParaRPr lang="en-US"/>
+          </a:p>
+        </p:txBody>
+      </p:sp>
+      <p:sp>
+        <p:nvSpPr>
+          <p:cNvPr id="4" name="Slide Number Placeholder 3"/>
+          <p:cNvSpPr>
+            <a:spLocks noGrp="1"/>
+          </p:cNvSpPr>
+          <p:nvPr>
+            <p:ph type="sldNum" sz="quarter" idx="10"/>
+          </p:nvPr>
+        </p:nvSpPr>
+        <p:spPr/>
+        <p:txBody>
+          <a:bodyPr/>
+          <a:lstStyle/>
+          <a:p>
+            <a:fld id="{D0C21525-FA02-4EFB-9D77-E9C6E69B6435}" type="slidenum">
+              <a:rPr lang="en-US" smtClean="0"/>
+              <a:t>19</a:t>
+            </a:fld>
+            <a:endParaRPr lang="en-US"/>
+          </a:p>
+        </p:txBody>
+      </p:sp>
+    </p:spTree>
+    <p:extLst>
+      <p:ext uri="{BB962C8B-B14F-4D97-AF65-F5344CB8AC3E}">
+        <p14:creationId xmlns:p14="http://schemas.microsoft.com/office/powerpoint/2010/main" val="1720354764"/>
+      </p:ext>
+    </p:extLst>
+  </p:cSld>
+  <p:clrMapOvr>
+    <a:masterClrMapping/>
+  </p:clrMapOvr>
+</p:notes>
+</file>
+
+<file path=ppt/notesSlides/notesSlide2.xml><?xml version="1.0" encoding="utf-8"?>
+<p:notes xmlns:a="http://schemas.openxmlformats.org/drawingml/2006/main" xmlns:r="http://schemas.openxmlformats.org/officeDocument/2006/relationships" xmlns:p="http://schemas.openxmlformats.org/presentationml/2006/main">
+  <p:cSld>
+    <p:spTree>
+      <p:nvGrpSpPr>
+        <p:cNvPr id="1" name=""/>
+        <p:cNvGrpSpPr/>
+        <p:nvPr/>
+      </p:nvGrpSpPr>
+      <p:grpSpPr>
+        <a:xfrm>
+          <a:off x="0" y="0"/>
+          <a:ext cx="0" cy="0"/>
+          <a:chOff x="0" y="0"/>
+          <a:chExt cx="0" cy="0"/>
+        </a:xfrm>
+      </p:grpSpPr>
+      <p:sp>
+        <p:nvSpPr>
+          <p:cNvPr id="2" name="Slide Image Placeholder 1"/>
+          <p:cNvSpPr>
+            <a:spLocks noGrp="1" noRot="1" noChangeAspect="1"/>
+          </p:cNvSpPr>
+          <p:nvPr>
+            <p:ph type="sldImg"/>
+          </p:nvPr>
+        </p:nvSpPr>
+        <p:spPr/>
+      </p:sp>
+      <p:sp>
+        <p:nvSpPr>
+          <p:cNvPr id="3" name="Notes Placeholder 2"/>
+          <p:cNvSpPr>
+            <a:spLocks noGrp="1"/>
+          </p:cNvSpPr>
+          <p:nvPr>
+            <p:ph type="body" idx="1"/>
+          </p:nvPr>
+        </p:nvSpPr>
+        <p:spPr/>
+        <p:txBody>
+          <a:bodyPr/>
+          <a:lstStyle/>
+          <a:p>
+            <a:endParaRPr lang="en-US"/>
+          </a:p>
+        </p:txBody>
+      </p:sp>
+      <p:sp>
+        <p:nvSpPr>
+          <p:cNvPr id="4" name="Slide Number Placeholder 3"/>
+          <p:cNvSpPr>
+            <a:spLocks noGrp="1"/>
+          </p:cNvSpPr>
+          <p:nvPr>
+            <p:ph type="sldNum" sz="quarter" idx="10"/>
+          </p:nvPr>
+        </p:nvSpPr>
+        <p:spPr/>
+        <p:txBody>
+          <a:bodyPr/>
+          <a:lstStyle/>
+          <a:p>
+            <a:fld id="{D0C21525-FA02-4EFB-9D77-E9C6E69B6435}" type="slidenum">
+              <a:rPr lang="en-US" smtClean="0"/>
+              <a:t>2</a:t>
+            </a:fld>
+            <a:endParaRPr lang="en-US"/>
+          </a:p>
+        </p:txBody>
+      </p:sp>
+    </p:spTree>
+    <p:extLst>
+      <p:ext uri="{BB962C8B-B14F-4D97-AF65-F5344CB8AC3E}">
+        <p14:creationId xmlns:p14="http://schemas.microsoft.com/office/powerpoint/2010/main" val="872964950"/>
+      </p:ext>
+    </p:extLst>
+  </p:cSld>
+  <p:clrMapOvr>
+    <a:masterClrMapping/>
+  </p:clrMapOvr>
+</p:notes>
+</file>
+
+<file path=ppt/notesSlides/notesSlide3.xml><?xml version="1.0" encoding="utf-8"?>
+<p:notes xmlns:a="http://schemas.openxmlformats.org/drawingml/2006/main" xmlns:r="http://schemas.openxmlformats.org/officeDocument/2006/relationships" xmlns:p="http://schemas.openxmlformats.org/presentationml/2006/main">
+  <p:cSld>
+    <p:spTree>
+      <p:nvGrpSpPr>
+        <p:cNvPr id="1" name=""/>
+        <p:cNvGrpSpPr/>
+        <p:nvPr/>
+      </p:nvGrpSpPr>
+      <p:grpSpPr>
+        <a:xfrm>
+          <a:off x="0" y="0"/>
+          <a:ext cx="0" cy="0"/>
+          <a:chOff x="0" y="0"/>
+          <a:chExt cx="0" cy="0"/>
+        </a:xfrm>
+      </p:grpSpPr>
+      <p:sp>
+        <p:nvSpPr>
+          <p:cNvPr id="2" name="Slide Image Placeholder 1"/>
+          <p:cNvSpPr>
+            <a:spLocks noGrp="1" noRot="1" noChangeAspect="1"/>
+          </p:cNvSpPr>
+          <p:nvPr>
+            <p:ph type="sldImg"/>
+          </p:nvPr>
+        </p:nvSpPr>
+        <p:spPr/>
+      </p:sp>
+      <p:sp>
+        <p:nvSpPr>
+          <p:cNvPr id="3" name="Notes Placeholder 2"/>
+          <p:cNvSpPr>
+            <a:spLocks noGrp="1"/>
+          </p:cNvSpPr>
+          <p:nvPr>
+            <p:ph type="body" idx="1"/>
+          </p:nvPr>
+        </p:nvSpPr>
+        <p:spPr/>
+        <p:txBody>
+          <a:bodyPr/>
+          <a:lstStyle/>
+          <a:p>
+            <a:r>
+              <a:rPr lang="en-US" dirty="0"/>
+              <a:t>http://www.gartner.com/webinar/3139617/player?commId=175277&amp;channelId=5500&amp;srcId=1-2973089105 </a:t>
+            </a:r>
+          </a:p>
+        </p:txBody>
+      </p:sp>
+      <p:sp>
+        <p:nvSpPr>
+          <p:cNvPr id="4" name="Slide Number Placeholder 3"/>
+          <p:cNvSpPr>
+            <a:spLocks noGrp="1"/>
+          </p:cNvSpPr>
+          <p:nvPr>
+            <p:ph type="sldNum" sz="quarter" idx="10"/>
+          </p:nvPr>
+        </p:nvSpPr>
+        <p:spPr/>
+        <p:txBody>
+          <a:bodyPr/>
+          <a:lstStyle/>
+          <a:p>
+            <a:fld id="{A7994216-F9EE-4578-8C57-39E3A4EBAE32}" type="slidenum">
+              <a:rPr lang="en-US" smtClean="0"/>
+              <a:t>3</a:t>
+            </a:fld>
+            <a:endParaRPr lang="en-US"/>
+          </a:p>
+        </p:txBody>
+      </p:sp>
+    </p:spTree>
+    <p:extLst>
+      <p:ext uri="{BB962C8B-B14F-4D97-AF65-F5344CB8AC3E}">
+        <p14:creationId xmlns:p14="http://schemas.microsoft.com/office/powerpoint/2010/main" val="129488786"/>
+      </p:ext>
+    </p:extLst>
+  </p:cSld>
+  <p:clrMapOvr>
+    <a:masterClrMapping/>
+  </p:clrMapOvr>
+</p:notes>
+</file>
+
+<file path=ppt/notesSlides/notesSlide4.xml><?xml version="1.0" encoding="utf-8"?>
+<p:notes xmlns:a="http://schemas.openxmlformats.org/drawingml/2006/main" xmlns:r="http://schemas.openxmlformats.org/officeDocument/2006/relationships" xmlns:p="http://schemas.openxmlformats.org/presentationml/2006/main">
+  <p:cSld>
+    <p:spTree>
+      <p:nvGrpSpPr>
+        <p:cNvPr id="1" name=""/>
+        <p:cNvGrpSpPr/>
+        <p:nvPr/>
+      </p:nvGrpSpPr>
+      <p:grpSpPr>
+        <a:xfrm>
+          <a:off x="0" y="0"/>
+          <a:ext cx="0" cy="0"/>
+          <a:chOff x="0" y="0"/>
+          <a:chExt cx="0" cy="0"/>
+        </a:xfrm>
+      </p:grpSpPr>
+      <p:sp>
+        <p:nvSpPr>
+          <p:cNvPr id="2" name="Slide Image Placeholder 1"/>
+          <p:cNvSpPr>
+            <a:spLocks noGrp="1" noRot="1" noChangeAspect="1"/>
+          </p:cNvSpPr>
+          <p:nvPr>
+            <p:ph type="sldImg"/>
+          </p:nvPr>
+        </p:nvSpPr>
+        <p:spPr/>
+      </p:sp>
+      <p:sp>
+        <p:nvSpPr>
+          <p:cNvPr id="3" name="Notes Placeholder 2"/>
+          <p:cNvSpPr>
+            <a:spLocks noGrp="1"/>
+          </p:cNvSpPr>
+          <p:nvPr>
+            <p:ph type="body" idx="1"/>
+          </p:nvPr>
+        </p:nvSpPr>
+        <p:spPr/>
+        <p:txBody>
+          <a:bodyPr/>
+          <a:lstStyle/>
+          <a:p>
+            <a:endParaRPr lang="en-US"/>
+          </a:p>
+        </p:txBody>
+      </p:sp>
+      <p:sp>
+        <p:nvSpPr>
+          <p:cNvPr id="4" name="Slide Number Placeholder 3"/>
+          <p:cNvSpPr>
+            <a:spLocks noGrp="1"/>
+          </p:cNvSpPr>
+          <p:nvPr>
+            <p:ph type="sldNum" sz="quarter" idx="10"/>
+          </p:nvPr>
+        </p:nvSpPr>
+        <p:spPr/>
+        <p:txBody>
+          <a:bodyPr/>
+          <a:lstStyle/>
+          <a:p>
+            <a:fld id="{D0C21525-FA02-4EFB-9D77-E9C6E69B6435}" type="slidenum">
+              <a:rPr lang="en-US" smtClean="0"/>
+              <a:t>4</a:t>
+            </a:fld>
+            <a:endParaRPr lang="en-US"/>
+          </a:p>
+        </p:txBody>
+      </p:sp>
+    </p:spTree>
+    <p:extLst>
+      <p:ext uri="{BB962C8B-B14F-4D97-AF65-F5344CB8AC3E}">
+        <p14:creationId xmlns:p14="http://schemas.microsoft.com/office/powerpoint/2010/main" val="3736974886"/>
+      </p:ext>
+    </p:extLst>
+  </p:cSld>
+  <p:clrMapOvr>
+    <a:masterClrMapping/>
+  </p:clrMapOvr>
+</p:notes>
+</file>
+
 <file path=ppt/notesSlides/notesSlide5.xml><?xml version="1.0" encoding="utf-8"?>
 <p:notes xmlns:a="http://schemas.openxmlformats.org/drawingml/2006/main" xmlns:r="http://schemas.openxmlformats.org/officeDocument/2006/relationships" xmlns:p="http://schemas.openxmlformats.org/presentationml/2006/main">
   <p:cSld>
@@ -19612,67 +20513,7 @@
           <a:bodyPr/>
           <a:lstStyle/>
           <a:p>
-            <a:r>
-              <a:rPr lang="en-US" sz="1200" kern="1200" dirty="0">
-                <a:solidFill>
-                  <a:schemeClr val="tx1"/>
-                </a:solidFill>
-                <a:effectLst/>
-                <a:latin typeface="+mn-lt"/>
-                <a:ea typeface="+mn-ea"/>
-                <a:cs typeface="+mn-cs"/>
-              </a:rPr>
-              <a:t>Tips, Tricks and Field Experiences Value of Certification: I want to make sure you are on board with the value of certification. Certification can offer many advantages including: getting a raise at your next review, preparing you for new job opportunities, increasing the likelihood your resume will be seen by the hiring manager, increasing your self confidence, increase you image (how people see you) in your business and in your social circles, lines on your resume, most hiring managers consider certification as part of their hiring criteria, you get experience while preparing for certification,…. and the list could go on and on. The fact of the matter is there is never any shortage of reasons why we should get certified. I am glad you have read this far… Make the decision to read this article in it’s entirety, then GET STARTED!!! Write down the reasons you want to obtain certification and look at them daily. Recognize Accomplishments: Recognize your accomplishments not matter how small. Feel good about the fact that you finished reading this article and realize that having done so has gotten you one step closer to obtaining your MCP in the Azure Cloud. Each time you finish something, even if it is just watching a 20 min video or reading a blog post that is relevant to the exam, recognize to yourself that it is a positive step in the right direction. Reflect back on why you want to do this in the first place. Get Family On Board: Often having family (spouse, kids, </a:t>
-            </a:r>
-            <a:r>
-              <a:rPr lang="en-US" sz="1200" kern="1200" dirty="0" err="1">
-                <a:solidFill>
-                  <a:schemeClr val="tx1"/>
-                </a:solidFill>
-                <a:effectLst/>
-                <a:latin typeface="+mn-lt"/>
-                <a:ea typeface="+mn-ea"/>
-                <a:cs typeface="+mn-cs"/>
-              </a:rPr>
-              <a:t>etc</a:t>
-            </a:r>
-            <a:r>
-              <a:rPr lang="en-US" sz="1200" kern="1200" dirty="0">
-                <a:solidFill>
-                  <a:schemeClr val="tx1"/>
-                </a:solidFill>
-                <a:effectLst/>
-                <a:latin typeface="+mn-lt"/>
-                <a:ea typeface="+mn-ea"/>
-                <a:cs typeface="+mn-cs"/>
-              </a:rPr>
-              <a:t>) on board with your goals and objectives will help you stay the course. Engage them, offer the kids a night out at Dave &amp; Busters or an ice cream shop once you pass the exam. Show them your great study habits, maybe they will pick some of them up for their school studies. Excuses: Excuses for not getting certified are easy to come by… I do not have time, can’t concentrate because of the kids, tired when home from work, my boss does not care anyway, it will not help me in my job… and on and on… Give it up! Stop making excuses; stop procrastinating and make the decision to put your career in motion! Keep doing what you have been doing, and you will keep getting what you have always gotten. Value of time: Put a value on your time. What is your time worth? When I was a consultant billing out $250 an hour, that was the value I had on my time. Now it is often somewhat less. Now, during my busy season, I use a value of $100 per hour. During my slow season, when I am much less stressed and work fewer hours, I use a value of $50 per hour. During the summer, family time, the value shoots back up to $250. This may seam silly but it will help you prioritize your time. It will also help you justify purchases. When you consider purchasing a $40 book it will be a no brainer. Spending $40 will potentially save you dozens of hours of time because you will be studying exactly what you need to know, nothing more, nothing less. It may help you decide you should just be taking a class to get this behind you quickly. Even if you just use a value of $10 per hour, it is important to pick a value for your time! If you are broke and have a zero value for your time, fake it. Put a value on your time anyway it will help you prioritize. Even if it is only $1, is sitting in front of the tube watching a sitcom by yourself worth a dollar? Not usually, get up and pick up a book or watch a certification video instead! Dedicated Study time: Set time on the calendar every day or every week for preparation. Just like any other appointment, take the attitude that you have to be there at the scheduled time to perform the duties that are expected of you. Blocking the time on the calendar then sticking to it is likely the single best thing you can do to help you succeed. Figure out what works best for you. Maybe it is 30 mins every day at lunch? How about 45 hour every night from 8:15pm-9:00pm? Whatever time block works for you is great. Personally, I find the best time for me is in the morning before work. This is when I am the most alert and can absorb the most information. I tend to get into the office before others, so I leverage the quite time as my personal development time. Try it, go into the office 45 minutes early to see if that works for you. You have to stick with it though, if you do it once and get distracted, don’t give up, try it a few more times. If people bug you, put a sign up letting them know you will be available for questions at 9:00am or whatever time you actually start working. Personally, when I am cramming, I will often spend 3-4 hours a day. I suffer from insomnia so I have plenty of extra time in my day. I prioritize that time on preparation. Ultra Focus With Intent: When you sit down to study, don’t take it lightly. Stay hyper-focused on learning. Don’t let your mind wander. You are on a very important mission. That mission is to learn as rapidly as possible. If you do this you will find that you will retain far more information and you will be able to consume it much faster. Read Faster: You can read faster. Use your ultra focus, it is a must to achieve this one. While reading, move your finger across the page or the screen at a steady pace, do not stop your finger, make sure your eyes focus on the word over your finger. It is ok if you miss a word or two, DO NOT GO BACK! Then when you master that move your finger faster, then faster, then faster. Eventually, you will be able to do this without the use of your finger as an aid. Objective: Recognize your objective when you set out to take an exam. The objective should be to “Pass the Exam”. Kind of self explanatory right? Not… Some people think, and will tell you that you have to learn everything about the topic in order to pass the exam. Total crap! Learn what you have to learn to pass the test, then leverage that knowledge to learn more as you progress your career. Study Smart: I have studied for many exams and hold more certifications than I can put in my signature block. What I have found in preparing for all the exams I have taken is “it is easy to study the wrong thing”. You know, you go to a blog post or a white paper to get information about an exam and they are telling you to read some 380 page document or white paper. That is bogus, don’t waste you time. I would guess that if you did read that document, you may learn more and maybe get one or two more questions right. But at what cost? Better to cover the materials on the test than, everything there is to know about a topic. More on this later! Objective: Recognize your objective when you set out to take an exam. The objective should be to “Pass the Exam”. Kind of self explanatory right? Not… Some people think, and will tell you that you have to learn everything about the topic in order to pass the exam. Total crap! Learn what you have to learn to pass the test, then leverage that knowledge to learn more as you progress your career. Exam Reference Material: There is often plenty of exam reference material available. Often it is even free. I will point you to some of it later in this article. If you do not mind spending a bit of money, I strongly recommend you just start with an exam reference guide. This could be much faster than spending countless hours learning what may or may not be on the exam. I am personally not a fan of just studying exam questions. I do find them useful, I just find having more context around the topic helps me retain it. by all means, try the practice tests, they be </a:t>
-            </a:r>
-            <a:r>
-              <a:rPr lang="en-US" sz="1200" kern="1200" dirty="0" err="1">
-                <a:solidFill>
-                  <a:schemeClr val="tx1"/>
-                </a:solidFill>
-                <a:effectLst/>
-                <a:latin typeface="+mn-lt"/>
-                <a:ea typeface="+mn-ea"/>
-                <a:cs typeface="+mn-cs"/>
-              </a:rPr>
-              <a:t>be</a:t>
-            </a:r>
-            <a:r>
-              <a:rPr lang="en-US" sz="1200" kern="1200" dirty="0">
-                <a:solidFill>
-                  <a:schemeClr val="tx1"/>
-                </a:solidFill>
-                <a:effectLst/>
-                <a:latin typeface="+mn-lt"/>
-                <a:ea typeface="+mn-ea"/>
-                <a:cs typeface="+mn-cs"/>
-              </a:rPr>
-              <a:t> helpful for you. Practice &amp; Experience: There is no substitute for practice other than maybe experience! Use the technology you are trying to learn. If you have the ability to use the technology in your job, even better! Take advantage of these opportunities. If the opportunities are not there, go out of your way to make opportunities. Think about how you might be able to use this technology in your job, then justify to yourself why it is important to understand the technology for your job. Most employers want their staff IT staff to keep up with technology. They often also will accept that you do it partially on work time. Especially if they know you are spending a bunch of personal time learning. Even if it is just setting up a lab environment, getting your hands dirty will go a very long way to you understanding the technology. Exam Objectives: Most exams (and all of Microsoft exams) have well documented Exam Objectives or Skills Measured. Use the Exam Objectives as a “list of things to learn”. Print out the exam objectives and check them off one at a time, as you search that topic and spend time learning it. For the cloud exam, I have done much of the work for you, you can just print this blog post. Like writing a book: I am in the process of writing a book on a certification exam. When writing a book on a topic, you do not automatically know everything there is to know about that topic. You are generally not in a situation where you know it all and want to write a book to share your vast knowledge on the subject. On the contrary, you may know a bunch about the topic, but to teach people everything they need to know to pass the test, you have to learn much, much more. The way I do this is using the Exam Objectives. I research &amp; learn what I can on each exam objectives, teaching and writing as I go. One of the other things you do prior to writing a book is, take the test. Take the test: Take the test, get a feel for what is on it. Microsoft offers a “2nd shot” so you can take the test a second time for free. Once you have gone through all of the exam objectives one time quickly, take the test to see how you do. This will give you a report so you can see what you need to study. As you are studying you will remember exam questions so you will know the relevance. After you pass the exam, if you want to learn more, use the exam report to study the things you did not ace (if you are so inclined.) What Exam: Figuring out what is the best exam to take next is often a challenge. Really though, it does not matter. See https://www.microsoft.com/learning whichever exam you chose will likely prepare you for what is next in your professional life because getting certified will make you better at it! If you are a general or specialized IT person start with 70-533. If you are a developer, start with 70-532. If you are an architect or infrastructure designer start with 70-534. If you are not sure, start with 70-533. Whatever you do, just start NOW! Once you pass the first cloud exam, go back and study the next one. Then repeat until you have passed them all. By then you should have caught the bug (the high that comes with a great accomplishment) and you will pick another topic and repeat! - See more at: http://itproguru.com/expert/2015/03/azure-cloud-certification-jump-start-70-532-70-533-70-534-exam-preparation/#sthash.sDikFZa4.dpuf</a:t>
-            </a:r>
-            <a:endParaRPr lang="en-US" dirty="0"/>
+            <a:endParaRPr lang="en-US"/>
           </a:p>
         </p:txBody>
       </p:sp>
@@ -19691,9 +20532,9 @@
           <a:bodyPr/>
           <a:lstStyle/>
           <a:p>
-            <a:fld id="{3C6E4902-292F-4370-AFC1-6D92B180E54E}" type="slidenum">
+            <a:fld id="{D0C21525-FA02-4EFB-9D77-E9C6E69B6435}" type="slidenum">
               <a:rPr lang="en-US" smtClean="0"/>
-              <a:t>14</a:t>
+              <a:t>5</a:t>
             </a:fld>
             <a:endParaRPr lang="en-US"/>
           </a:p>
@@ -19702,7 +20543,7 @@
     </p:spTree>
     <p:extLst>
       <p:ext uri="{BB962C8B-B14F-4D97-AF65-F5344CB8AC3E}">
-        <p14:creationId xmlns:p14="http://schemas.microsoft.com/office/powerpoint/2010/main" val="2920534584"/>
+        <p14:creationId xmlns:p14="http://schemas.microsoft.com/office/powerpoint/2010/main" val="1506694066"/>
       </p:ext>
     </p:extLst>
   </p:cSld>
@@ -19756,120 +20597,7 @@
           <a:bodyPr/>
           <a:lstStyle/>
           <a:p>
-            <a:pPr rtl="0"/>
-            <a:r>
-              <a:rPr lang="en-US" sz="900" u="sng" dirty="0">
-                <a:solidFill>
-                  <a:schemeClr val="tx2"/>
-                </a:solidFill>
-              </a:rPr>
-              <a:t>http://aka.ms/70-534 – Once it goes live..</a:t>
-            </a:r>
-            <a:endParaRPr lang="en-US" dirty="0">
-              <a:effectLst/>
-            </a:endParaRPr>
-          </a:p>
-          <a:p>
-            <a:pPr rtl="0"/>
-            <a:r>
-              <a:rPr lang="en-US" dirty="0">
-                <a:effectLst/>
-              </a:rPr>
-              <a:t>Learn what you need to know to become a certified Azure Solutions Architect. We will go through the lessons found in the book 70-534 Architecting Microsoft Azure Solutions. We will wrap things up with our speakers (and authors of the book) doing a book signing so bring your copy of the book.</a:t>
-            </a:r>
-          </a:p>
-          <a:p>
-            <a:pPr rtl="0"/>
-            <a:r>
-              <a:rPr lang="en-US" dirty="0">
-                <a:effectLst/>
-              </a:rPr>
-              <a:t>70-534 Introduction</a:t>
-            </a:r>
-          </a:p>
-          <a:p>
-            <a:pPr rtl="0"/>
-            <a:r>
-              <a:rPr lang="en-US" dirty="0">
-                <a:effectLst/>
-              </a:rPr>
-              <a:t>Exam Tips and Tricks</a:t>
-            </a:r>
-          </a:p>
-          <a:p>
-            <a:pPr rtl="0"/>
-            <a:r>
-              <a:rPr lang="en-US" dirty="0">
-                <a:effectLst/>
-              </a:rPr>
-              <a:t>Design an advanced application (15–20%)</a:t>
-            </a:r>
-          </a:p>
-          <a:p>
-            <a:pPr rtl="0"/>
-            <a:r>
-              <a:rPr lang="en-US" dirty="0">
-                <a:effectLst/>
-              </a:rPr>
-              <a:t>Design websites (15–20%)</a:t>
-            </a:r>
-          </a:p>
-          <a:p>
-            <a:pPr rtl="0"/>
-            <a:r>
-              <a:rPr lang="en-US" dirty="0">
-                <a:effectLst/>
-              </a:rPr>
-              <a:t>Design a management, monitoring, and business continuity strategy (15–20%)</a:t>
-            </a:r>
-          </a:p>
-          <a:p>
-            <a:pPr rtl="0"/>
-            <a:r>
-              <a:rPr lang="en-US" dirty="0">
-                <a:effectLst/>
-              </a:rPr>
-              <a:t>Design Microsoft Azure infrastructure and networking (15–20%)</a:t>
-            </a:r>
-          </a:p>
-          <a:p>
-            <a:pPr rtl="0"/>
-            <a:r>
-              <a:rPr lang="en-US" dirty="0">
-                <a:effectLst/>
-              </a:rPr>
-              <a:t>Secure resources (15–20%)</a:t>
-            </a:r>
-          </a:p>
-          <a:p>
-            <a:pPr rtl="0"/>
-            <a:r>
-              <a:rPr lang="en-US" dirty="0">
-                <a:effectLst/>
-              </a:rPr>
-              <a:t>Design an application storage and data access strategy (15–20%)</a:t>
-            </a:r>
-          </a:p>
-          <a:p>
-            <a:pPr rtl="0"/>
-            <a:r>
-              <a:rPr lang="en-US" dirty="0">
-                <a:effectLst/>
-              </a:rPr>
-              <a:t>Field Experiences</a:t>
-            </a:r>
-          </a:p>
-          <a:p>
-            <a:pPr rtl="0"/>
-            <a:r>
-              <a:rPr lang="en-US" dirty="0">
-                <a:effectLst/>
-              </a:rPr>
-              <a:t>Book Signing – Authors Dan Stolts, Steve Maier</a:t>
-            </a:r>
-          </a:p>
-          <a:p>
-            <a:endParaRPr lang="en-US" dirty="0"/>
+            <a:endParaRPr lang="en-US"/>
           </a:p>
         </p:txBody>
       </p:sp>
@@ -19888,9 +20616,9 @@
           <a:bodyPr/>
           <a:lstStyle/>
           <a:p>
-            <a:fld id="{C4CA44E0-6ABB-4CBD-8351-69864DC90CE7}" type="slidenum">
+            <a:fld id="{D0C21525-FA02-4EFB-9D77-E9C6E69B6435}" type="slidenum">
               <a:rPr lang="en-US" smtClean="0"/>
-              <a:t>16</a:t>
+              <a:t>6</a:t>
             </a:fld>
             <a:endParaRPr lang="en-US"/>
           </a:p>
@@ -19899,7 +20627,536 @@
     </p:spTree>
     <p:extLst>
       <p:ext uri="{BB962C8B-B14F-4D97-AF65-F5344CB8AC3E}">
-        <p14:creationId xmlns:p14="http://schemas.microsoft.com/office/powerpoint/2010/main" val="885282638"/>
+        <p14:creationId xmlns:p14="http://schemas.microsoft.com/office/powerpoint/2010/main" val="535337212"/>
+      </p:ext>
+    </p:extLst>
+  </p:cSld>
+  <p:clrMapOvr>
+    <a:masterClrMapping/>
+  </p:clrMapOvr>
+</p:notes>
+</file>
+
+<file path=ppt/notesSlides/notesSlide7.xml><?xml version="1.0" encoding="utf-8"?>
+<p:notes xmlns:a="http://schemas.openxmlformats.org/drawingml/2006/main" xmlns:r="http://schemas.openxmlformats.org/officeDocument/2006/relationships" xmlns:p="http://schemas.openxmlformats.org/presentationml/2006/main">
+  <p:cSld>
+    <p:spTree>
+      <p:nvGrpSpPr>
+        <p:cNvPr id="1" name=""/>
+        <p:cNvGrpSpPr/>
+        <p:nvPr/>
+      </p:nvGrpSpPr>
+      <p:grpSpPr>
+        <a:xfrm>
+          <a:off x="0" y="0"/>
+          <a:ext cx="0" cy="0"/>
+          <a:chOff x="0" y="0"/>
+          <a:chExt cx="0" cy="0"/>
+        </a:xfrm>
+      </p:grpSpPr>
+      <p:sp>
+        <p:nvSpPr>
+          <p:cNvPr id="2" name="Slide Image Placeholder 1"/>
+          <p:cNvSpPr>
+            <a:spLocks noGrp="1" noRot="1" noChangeAspect="1"/>
+          </p:cNvSpPr>
+          <p:nvPr>
+            <p:ph type="sldImg"/>
+          </p:nvPr>
+        </p:nvSpPr>
+        <p:spPr/>
+      </p:sp>
+      <p:sp>
+        <p:nvSpPr>
+          <p:cNvPr id="3" name="Notes Placeholder 2"/>
+          <p:cNvSpPr>
+            <a:spLocks noGrp="1"/>
+          </p:cNvSpPr>
+          <p:nvPr>
+            <p:ph type="body" idx="1"/>
+          </p:nvPr>
+        </p:nvSpPr>
+        <p:spPr/>
+        <p:txBody>
+          <a:bodyPr/>
+          <a:lstStyle/>
+          <a:p>
+            <a:endParaRPr lang="en-US"/>
+          </a:p>
+        </p:txBody>
+      </p:sp>
+      <p:sp>
+        <p:nvSpPr>
+          <p:cNvPr id="4" name="Slide Number Placeholder 3"/>
+          <p:cNvSpPr>
+            <a:spLocks noGrp="1"/>
+          </p:cNvSpPr>
+          <p:nvPr>
+            <p:ph type="sldNum" sz="quarter" idx="10"/>
+          </p:nvPr>
+        </p:nvSpPr>
+        <p:spPr/>
+        <p:txBody>
+          <a:bodyPr/>
+          <a:lstStyle/>
+          <a:p>
+            <a:fld id="{D0C21525-FA02-4EFB-9D77-E9C6E69B6435}" type="slidenum">
+              <a:rPr lang="en-US" smtClean="0"/>
+              <a:t>7</a:t>
+            </a:fld>
+            <a:endParaRPr lang="en-US"/>
+          </a:p>
+        </p:txBody>
+      </p:sp>
+    </p:spTree>
+    <p:extLst>
+      <p:ext uri="{BB962C8B-B14F-4D97-AF65-F5344CB8AC3E}">
+        <p14:creationId xmlns:p14="http://schemas.microsoft.com/office/powerpoint/2010/main" val="3348886355"/>
+      </p:ext>
+    </p:extLst>
+  </p:cSld>
+  <p:clrMapOvr>
+    <a:masterClrMapping/>
+  </p:clrMapOvr>
+</p:notes>
+</file>
+
+<file path=ppt/notesSlides/notesSlide8.xml><?xml version="1.0" encoding="utf-8"?>
+<p:notes xmlns:a="http://schemas.openxmlformats.org/drawingml/2006/main" xmlns:r="http://schemas.openxmlformats.org/officeDocument/2006/relationships" xmlns:p="http://schemas.openxmlformats.org/presentationml/2006/main">
+  <p:cSld>
+    <p:spTree>
+      <p:nvGrpSpPr>
+        <p:cNvPr id="1" name=""/>
+        <p:cNvGrpSpPr/>
+        <p:nvPr/>
+      </p:nvGrpSpPr>
+      <p:grpSpPr>
+        <a:xfrm>
+          <a:off x="0" y="0"/>
+          <a:ext cx="0" cy="0"/>
+          <a:chOff x="0" y="0"/>
+          <a:chExt cx="0" cy="0"/>
+        </a:xfrm>
+      </p:grpSpPr>
+      <p:sp>
+        <p:nvSpPr>
+          <p:cNvPr id="2" name="Slide Image Placeholder 1"/>
+          <p:cNvSpPr>
+            <a:spLocks noGrp="1" noRot="1" noChangeAspect="1"/>
+          </p:cNvSpPr>
+          <p:nvPr>
+            <p:ph type="sldImg"/>
+          </p:nvPr>
+        </p:nvSpPr>
+        <p:spPr/>
+      </p:sp>
+      <p:sp>
+        <p:nvSpPr>
+          <p:cNvPr id="3" name="Notes Placeholder 2"/>
+          <p:cNvSpPr>
+            <a:spLocks noGrp="1"/>
+          </p:cNvSpPr>
+          <p:nvPr>
+            <p:ph type="body" idx="1"/>
+          </p:nvPr>
+        </p:nvSpPr>
+        <p:spPr/>
+        <p:txBody>
+          <a:bodyPr/>
+          <a:lstStyle/>
+          <a:p>
+            <a:endParaRPr lang="en-US"/>
+          </a:p>
+        </p:txBody>
+      </p:sp>
+      <p:sp>
+        <p:nvSpPr>
+          <p:cNvPr id="4" name="Slide Number Placeholder 3"/>
+          <p:cNvSpPr>
+            <a:spLocks noGrp="1"/>
+          </p:cNvSpPr>
+          <p:nvPr>
+            <p:ph type="sldNum" sz="quarter" idx="10"/>
+          </p:nvPr>
+        </p:nvSpPr>
+        <p:spPr/>
+        <p:txBody>
+          <a:bodyPr/>
+          <a:lstStyle/>
+          <a:p>
+            <a:fld id="{D0C21525-FA02-4EFB-9D77-E9C6E69B6435}" type="slidenum">
+              <a:rPr lang="en-US" smtClean="0"/>
+              <a:t>8</a:t>
+            </a:fld>
+            <a:endParaRPr lang="en-US"/>
+          </a:p>
+        </p:txBody>
+      </p:sp>
+    </p:spTree>
+    <p:extLst>
+      <p:ext uri="{BB962C8B-B14F-4D97-AF65-F5344CB8AC3E}">
+        <p14:creationId xmlns:p14="http://schemas.microsoft.com/office/powerpoint/2010/main" val="3383321282"/>
+      </p:ext>
+    </p:extLst>
+  </p:cSld>
+  <p:clrMapOvr>
+    <a:masterClrMapping/>
+  </p:clrMapOvr>
+</p:notes>
+</file>
+
+<file path=ppt/notesSlides/notesSlide9.xml><?xml version="1.0" encoding="utf-8"?>
+<p:notes xmlns:a="http://schemas.openxmlformats.org/drawingml/2006/main" xmlns:r="http://schemas.openxmlformats.org/officeDocument/2006/relationships" xmlns:p="http://schemas.openxmlformats.org/presentationml/2006/main">
+  <p:cSld>
+    <p:spTree>
+      <p:nvGrpSpPr>
+        <p:cNvPr id="1" name=""/>
+        <p:cNvGrpSpPr/>
+        <p:nvPr/>
+      </p:nvGrpSpPr>
+      <p:grpSpPr>
+        <a:xfrm>
+          <a:off x="0" y="0"/>
+          <a:ext cx="0" cy="0"/>
+          <a:chOff x="0" y="0"/>
+          <a:chExt cx="0" cy="0"/>
+        </a:xfrm>
+      </p:grpSpPr>
+      <p:sp>
+        <p:nvSpPr>
+          <p:cNvPr id="2" name="Slide Image Placeholder 1"/>
+          <p:cNvSpPr>
+            <a:spLocks noGrp="1" noRot="1" noChangeAspect="1"/>
+          </p:cNvSpPr>
+          <p:nvPr>
+            <p:ph type="sldImg"/>
+          </p:nvPr>
+        </p:nvSpPr>
+        <p:spPr/>
+      </p:sp>
+      <p:sp>
+        <p:nvSpPr>
+          <p:cNvPr id="3" name="Notes Placeholder 2"/>
+          <p:cNvSpPr>
+            <a:spLocks noGrp="1"/>
+          </p:cNvSpPr>
+          <p:nvPr>
+            <p:ph type="body" idx="1"/>
+          </p:nvPr>
+        </p:nvSpPr>
+        <p:spPr/>
+        <p:txBody>
+          <a:bodyPr/>
+          <a:lstStyle/>
+          <a:p>
+            <a:pPr>
+              <a:buFont typeface="Wingdings" panose="05000000000000000000" pitchFamily="2" charset="2"/>
+              <a:buChar char="§"/>
+            </a:pPr>
+            <a:endParaRPr lang="en-US" dirty="0"/>
+          </a:p>
+        </p:txBody>
+      </p:sp>
+      <p:sp>
+        <p:nvSpPr>
+          <p:cNvPr id="4" name="Header Placeholder 3"/>
+          <p:cNvSpPr>
+            <a:spLocks noGrp="1"/>
+          </p:cNvSpPr>
+          <p:nvPr>
+            <p:ph type="hdr" sz="quarter" idx="10"/>
+          </p:nvPr>
+        </p:nvSpPr>
+        <p:spPr/>
+        <p:txBody>
+          <a:bodyPr/>
+          <a:lstStyle/>
+          <a:p>
+            <a:pPr marL="0" marR="0" lvl="0" indent="0" defTabSz="914400" eaLnBrk="1" fontAlgn="auto" latinLnBrk="0" hangingPunct="1">
+              <a:lnSpc>
+                <a:spcPct val="100000"/>
+              </a:lnSpc>
+              <a:spcBef>
+                <a:spcPts val="0"/>
+              </a:spcBef>
+              <a:spcAft>
+                <a:spcPts val="0"/>
+              </a:spcAft>
+              <a:buClrTx/>
+              <a:buSzTx/>
+              <a:buFontTx/>
+              <a:buNone/>
+              <a:tabLst/>
+              <a:defRPr/>
+            </a:pPr>
+            <a:r>
+              <a:rPr kumimoji="0" lang="en-US" sz="1800" b="0" i="0" u="none" strike="noStrike" kern="0" cap="none" spc="0" normalizeH="0" baseline="0" noProof="0">
+                <a:ln>
+                  <a:noFill/>
+                </a:ln>
+                <a:solidFill>
+                  <a:sysClr val="windowText" lastClr="000000"/>
+                </a:solidFill>
+                <a:effectLst/>
+                <a:uLnTx/>
+                <a:uFillTx/>
+              </a:rPr>
+              <a:t>Microsoft Ignite 2015</a:t>
+            </a:r>
+            <a:endParaRPr kumimoji="0" lang="en-US" sz="1800" b="0" i="0" u="none" strike="noStrike" kern="0" cap="none" spc="0" normalizeH="0" baseline="0" noProof="0" dirty="0">
+              <a:ln>
+                <a:noFill/>
+              </a:ln>
+              <a:solidFill>
+                <a:sysClr val="windowText" lastClr="000000"/>
+              </a:solidFill>
+              <a:effectLst/>
+              <a:uLnTx/>
+              <a:uFillTx/>
+            </a:endParaRPr>
+          </a:p>
+        </p:txBody>
+      </p:sp>
+      <p:sp>
+        <p:nvSpPr>
+          <p:cNvPr id="5" name="Footer Placeholder 4"/>
+          <p:cNvSpPr>
+            <a:spLocks noGrp="1"/>
+          </p:cNvSpPr>
+          <p:nvPr>
+            <p:ph type="ftr" sz="quarter" idx="11"/>
+          </p:nvPr>
+        </p:nvSpPr>
+        <p:spPr/>
+        <p:txBody>
+          <a:bodyPr/>
+          <a:lstStyle/>
+          <a:p>
+            <a:pPr marL="0" marR="0" lvl="0" indent="0" defTabSz="931467" eaLnBrk="0" fontAlgn="auto" latinLnBrk="0" hangingPunct="0">
+              <a:lnSpc>
+                <a:spcPct val="100000"/>
+              </a:lnSpc>
+              <a:spcBef>
+                <a:spcPts val="0"/>
+              </a:spcBef>
+              <a:spcAft>
+                <a:spcPts val="0"/>
+              </a:spcAft>
+              <a:buClrTx/>
+              <a:buSzTx/>
+              <a:buFontTx/>
+              <a:buNone/>
+              <a:tabLst/>
+              <a:defRPr/>
+            </a:pPr>
+            <a:r>
+              <a:rPr kumimoji="0" lang="en-US" sz="400" b="0" i="0" u="none" strike="noStrike" kern="0" cap="none" spc="0" normalizeH="0" baseline="0" noProof="0">
+                <a:ln>
+                  <a:noFill/>
+                </a:ln>
+                <a:gradFill>
+                  <a:gsLst>
+                    <a:gs pos="0">
+                      <a:prstClr val="black"/>
+                    </a:gs>
+                    <a:gs pos="100000">
+                      <a:prstClr val="black"/>
+                    </a:gs>
+                  </a:gsLst>
+                  <a:lin ang="5400000" scaled="0"/>
+                </a:gradFill>
+                <a:effectLst/>
+                <a:uLnTx/>
+                <a:uFillTx/>
+                <a:latin typeface="Segoe UI" pitchFamily="34" charset="0"/>
+                <a:ea typeface="Segoe UI" pitchFamily="34" charset="0"/>
+                <a:cs typeface="Segoe UI" pitchFamily="34" charset="0"/>
+              </a:rPr>
+              <a:t>© 2015 Microsoft Corporation. All rights reserved. MICROSOFT MAKES NO WARRANTIES, EXPRESS, IMPLIED OR STATUTORY, AS TO THE INFORMATION IN THIS PRESENTATION.</a:t>
+            </a:r>
+            <a:endParaRPr kumimoji="0" lang="en-US" sz="400" b="0" i="0" u="none" strike="noStrike" kern="0" cap="none" spc="0" normalizeH="0" baseline="0" noProof="0" dirty="0">
+              <a:ln>
+                <a:noFill/>
+              </a:ln>
+              <a:gradFill>
+                <a:gsLst>
+                  <a:gs pos="0">
+                    <a:prstClr val="black"/>
+                  </a:gs>
+                  <a:gs pos="100000">
+                    <a:prstClr val="black"/>
+                  </a:gs>
+                </a:gsLst>
+                <a:lin ang="5400000" scaled="0"/>
+              </a:gradFill>
+              <a:effectLst/>
+              <a:uLnTx/>
+              <a:uFillTx/>
+              <a:latin typeface="Segoe UI" pitchFamily="34" charset="0"/>
+              <a:ea typeface="Segoe UI" pitchFamily="34" charset="0"/>
+              <a:cs typeface="Segoe UI" pitchFamily="34" charset="0"/>
+            </a:endParaRPr>
+          </a:p>
+        </p:txBody>
+      </p:sp>
+      <p:sp>
+        <p:nvSpPr>
+          <p:cNvPr id="6" name="Date Placeholder 5"/>
+          <p:cNvSpPr>
+            <a:spLocks noGrp="1"/>
+          </p:cNvSpPr>
+          <p:nvPr>
+            <p:ph type="dt" idx="12"/>
+          </p:nvPr>
+        </p:nvSpPr>
+        <p:spPr/>
+        <p:txBody>
+          <a:bodyPr/>
+          <a:lstStyle/>
+          <a:p>
+            <a:pPr marL="0" marR="0" lvl="0" indent="0" defTabSz="914400" eaLnBrk="1" fontAlgn="auto" latinLnBrk="0" hangingPunct="1">
+              <a:lnSpc>
+                <a:spcPct val="100000"/>
+              </a:lnSpc>
+              <a:spcBef>
+                <a:spcPts val="0"/>
+              </a:spcBef>
+              <a:spcAft>
+                <a:spcPts val="0"/>
+              </a:spcAft>
+              <a:buClrTx/>
+              <a:buSzTx/>
+              <a:buFontTx/>
+              <a:buNone/>
+              <a:tabLst/>
+              <a:defRPr/>
+            </a:pPr>
+            <a:fld id="{38EEC551-8CDA-4EB6-89BB-2A86C9F091C8}" type="datetime8">
+              <a:rPr kumimoji="0" lang="en-US" sz="1800" b="0" i="0" u="none" strike="noStrike" kern="0" cap="none" spc="0" normalizeH="0" baseline="0" noProof="0" smtClean="0">
+                <a:ln>
+                  <a:noFill/>
+                </a:ln>
+                <a:solidFill>
+                  <a:sysClr val="windowText" lastClr="000000"/>
+                </a:solidFill>
+                <a:effectLst/>
+                <a:uLnTx/>
+                <a:uFillTx/>
+              </a:rPr>
+              <a:pPr marL="0" marR="0" lvl="0" indent="0" defTabSz="914400" eaLnBrk="1" fontAlgn="auto" latinLnBrk="0" hangingPunct="1">
+                <a:lnSpc>
+                  <a:spcPct val="100000"/>
+                </a:lnSpc>
+                <a:spcBef>
+                  <a:spcPts val="0"/>
+                </a:spcBef>
+                <a:spcAft>
+                  <a:spcPts val="0"/>
+                </a:spcAft>
+                <a:buClrTx/>
+                <a:buSzTx/>
+                <a:buFontTx/>
+                <a:buNone/>
+                <a:tabLst/>
+                <a:defRPr/>
+              </a:pPr>
+              <a:t>9/26/2017 8:35 AM</a:t>
+            </a:fld>
+            <a:endParaRPr kumimoji="0" lang="en-US" sz="1800" b="0" i="0" u="none" strike="noStrike" kern="0" cap="none" spc="0" normalizeH="0" baseline="0" noProof="0" dirty="0">
+              <a:ln>
+                <a:noFill/>
+              </a:ln>
+              <a:solidFill>
+                <a:sysClr val="windowText" lastClr="000000"/>
+              </a:solidFill>
+              <a:effectLst/>
+              <a:uLnTx/>
+              <a:uFillTx/>
+            </a:endParaRPr>
+          </a:p>
+        </p:txBody>
+      </p:sp>
+      <p:sp>
+        <p:nvSpPr>
+          <p:cNvPr id="7" name="Slide Number Placeholder 6"/>
+          <p:cNvSpPr>
+            <a:spLocks noGrp="1"/>
+          </p:cNvSpPr>
+          <p:nvPr>
+            <p:ph type="sldNum" sz="quarter" idx="13"/>
+          </p:nvPr>
+        </p:nvSpPr>
+        <p:spPr/>
+        <p:txBody>
+          <a:bodyPr/>
+          <a:lstStyle/>
+          <a:p>
+            <a:pPr marL="0" marR="0" lvl="0" indent="0" defTabSz="914400" eaLnBrk="1" fontAlgn="auto" latinLnBrk="0" hangingPunct="1">
+              <a:lnSpc>
+                <a:spcPct val="100000"/>
+              </a:lnSpc>
+              <a:spcBef>
+                <a:spcPts val="0"/>
+              </a:spcBef>
+              <a:spcAft>
+                <a:spcPts val="0"/>
+              </a:spcAft>
+              <a:buClrTx/>
+              <a:buSzTx/>
+              <a:buFontTx/>
+              <a:buNone/>
+              <a:tabLst/>
+              <a:defRPr/>
+            </a:pPr>
+            <a:fld id="{B4008EB6-D09E-4580-8CD6-DDB14511944F}" type="slidenum">
+              <a:rPr kumimoji="0" lang="en-US" sz="1800" b="0" i="0" u="none" strike="noStrike" kern="0" cap="none" spc="0" normalizeH="0" baseline="0" noProof="0" smtClean="0">
+                <a:ln>
+                  <a:noFill/>
+                </a:ln>
+                <a:solidFill>
+                  <a:sysClr val="windowText" lastClr="000000"/>
+                </a:solidFill>
+                <a:effectLst/>
+                <a:uLnTx/>
+                <a:uFillTx/>
+              </a:rPr>
+              <a:pPr marL="0" marR="0" lvl="0" indent="0" defTabSz="914400" eaLnBrk="1" fontAlgn="auto" latinLnBrk="0" hangingPunct="1">
+                <a:lnSpc>
+                  <a:spcPct val="100000"/>
+                </a:lnSpc>
+                <a:spcBef>
+                  <a:spcPts val="0"/>
+                </a:spcBef>
+                <a:spcAft>
+                  <a:spcPts val="0"/>
+                </a:spcAft>
+                <a:buClrTx/>
+                <a:buSzTx/>
+                <a:buFontTx/>
+                <a:buNone/>
+                <a:tabLst/>
+                <a:defRPr/>
+              </a:pPr>
+              <a:t>9</a:t>
+            </a:fld>
+            <a:endParaRPr kumimoji="0" lang="en-US" sz="1800" b="0" i="0" u="none" strike="noStrike" kern="0" cap="none" spc="0" normalizeH="0" baseline="0" noProof="0" dirty="0">
+              <a:ln>
+                <a:noFill/>
+              </a:ln>
+              <a:solidFill>
+                <a:sysClr val="windowText" lastClr="000000"/>
+              </a:solidFill>
+              <a:effectLst/>
+              <a:uLnTx/>
+              <a:uFillTx/>
+            </a:endParaRPr>
+          </a:p>
+        </p:txBody>
+      </p:sp>
+    </p:spTree>
+    <p:extLst>
+      <p:ext uri="{BB962C8B-B14F-4D97-AF65-F5344CB8AC3E}">
+        <p14:creationId xmlns:p14="http://schemas.microsoft.com/office/powerpoint/2010/main" val="975969338"/>
       </p:ext>
     </p:extLst>
   </p:cSld>
@@ -20038,7 +21295,7 @@
           <a:p>
             <a:fld id="{DEC3E3B9-70CA-4D48-8F08-30C31143888B}" type="datetimeFigureOut">
               <a:rPr lang="en-US" smtClean="0"/>
-              <a:t>6/14/2017</a:t>
+              <a:t>9/26/2017</a:t>
             </a:fld>
             <a:endParaRPr lang="en-US"/>
           </a:p>
@@ -20206,7 +21463,7 @@
           <a:p>
             <a:fld id="{DEC3E3B9-70CA-4D48-8F08-30C31143888B}" type="datetimeFigureOut">
               <a:rPr lang="en-US" smtClean="0"/>
-              <a:t>6/14/2017</a:t>
+              <a:t>9/26/2017</a:t>
             </a:fld>
             <a:endParaRPr lang="en-US"/>
           </a:p>
@@ -20384,7 +21641,7 @@
           <a:p>
             <a:fld id="{DEC3E3B9-70CA-4D48-8F08-30C31143888B}" type="datetimeFigureOut">
               <a:rPr lang="en-US" smtClean="0"/>
-              <a:t>6/14/2017</a:t>
+              <a:t>9/26/2017</a:t>
             </a:fld>
             <a:endParaRPr lang="en-US"/>
           </a:p>
@@ -21663,7 +22920,7 @@
           <a:p>
             <a:fld id="{DEC3E3B9-70CA-4D48-8F08-30C31143888B}" type="datetimeFigureOut">
               <a:rPr lang="en-US" smtClean="0"/>
-              <a:t>6/14/2017</a:t>
+              <a:t>9/26/2017</a:t>
             </a:fld>
             <a:endParaRPr lang="en-US"/>
           </a:p>
@@ -21908,7 +23165,7 @@
           <a:p>
             <a:fld id="{DEC3E3B9-70CA-4D48-8F08-30C31143888B}" type="datetimeFigureOut">
               <a:rPr lang="en-US" smtClean="0"/>
-              <a:t>6/14/2017</a:t>
+              <a:t>9/26/2017</a:t>
             </a:fld>
             <a:endParaRPr lang="en-US"/>
           </a:p>
@@ -22137,7 +23394,7 @@
           <a:p>
             <a:fld id="{DEC3E3B9-70CA-4D48-8F08-30C31143888B}" type="datetimeFigureOut">
               <a:rPr lang="en-US" smtClean="0"/>
-              <a:t>6/14/2017</a:t>
+              <a:t>9/26/2017</a:t>
             </a:fld>
             <a:endParaRPr lang="en-US"/>
           </a:p>
@@ -22501,7 +23758,7 @@
           <a:p>
             <a:fld id="{DEC3E3B9-70CA-4D48-8F08-30C31143888B}" type="datetimeFigureOut">
               <a:rPr lang="en-US" smtClean="0"/>
-              <a:t>6/14/2017</a:t>
+              <a:t>9/26/2017</a:t>
             </a:fld>
             <a:endParaRPr lang="en-US"/>
           </a:p>
@@ -22618,7 +23875,7 @@
           <a:p>
             <a:fld id="{DEC3E3B9-70CA-4D48-8F08-30C31143888B}" type="datetimeFigureOut">
               <a:rPr lang="en-US" smtClean="0"/>
-              <a:t>6/14/2017</a:t>
+              <a:t>9/26/2017</a:t>
             </a:fld>
             <a:endParaRPr lang="en-US"/>
           </a:p>
@@ -22713,7 +23970,7 @@
           <a:p>
             <a:fld id="{DEC3E3B9-70CA-4D48-8F08-30C31143888B}" type="datetimeFigureOut">
               <a:rPr lang="en-US" smtClean="0"/>
-              <a:t>6/14/2017</a:t>
+              <a:t>9/26/2017</a:t>
             </a:fld>
             <a:endParaRPr lang="en-US"/>
           </a:p>
@@ -22988,7 +24245,7 @@
           <a:p>
             <a:fld id="{DEC3E3B9-70CA-4D48-8F08-30C31143888B}" type="datetimeFigureOut">
               <a:rPr lang="en-US" smtClean="0"/>
-              <a:t>6/14/2017</a:t>
+              <a:t>9/26/2017</a:t>
             </a:fld>
             <a:endParaRPr lang="en-US"/>
           </a:p>
@@ -23240,7 +24497,7 @@
           <a:p>
             <a:fld id="{DEC3E3B9-70CA-4D48-8F08-30C31143888B}" type="datetimeFigureOut">
               <a:rPr lang="en-US" smtClean="0"/>
-              <a:t>6/14/2017</a:t>
+              <a:t>9/26/2017</a:t>
             </a:fld>
             <a:endParaRPr lang="en-US"/>
           </a:p>
@@ -23451,7 +24708,7 @@
           <a:p>
             <a:fld id="{DEC3E3B9-70CA-4D48-8F08-30C31143888B}" type="datetimeFigureOut">
               <a:rPr lang="en-US" smtClean="0"/>
-              <a:t>6/14/2017</a:t>
+              <a:t>9/26/2017</a:t>
             </a:fld>
             <a:endParaRPr lang="en-US"/>
           </a:p>
@@ -23958,7 +25215,7 @@
         </p:nvSpPr>
         <p:spPr>
           <a:xfrm>
-            <a:off x="735474" y="2115794"/>
+            <a:off x="353889" y="1944585"/>
             <a:ext cx="5715726" cy="2629006"/>
           </a:xfrm>
           <a:prstGeom prst="rect">
@@ -24343,48 +25600,13 @@
       </p:pic>
       <p:sp>
         <p:nvSpPr>
-          <p:cNvPr id="8" name="TextBox 7"/>
-          <p:cNvSpPr txBox="1"/>
-          <p:nvPr/>
-        </p:nvSpPr>
-        <p:spPr>
-          <a:xfrm>
-            <a:off x="7722977" y="6222652"/>
-            <a:ext cx="4122153" cy="523220"/>
-          </a:xfrm>
-          <a:prstGeom prst="rect">
-            <a:avLst/>
-          </a:prstGeom>
-          <a:noFill/>
-          <a:ln>
-            <a:solidFill>
-              <a:srgbClr val="0070C0"/>
-            </a:solidFill>
-          </a:ln>
-        </p:spPr>
-        <p:txBody>
-          <a:bodyPr wrap="square" rtlCol="0">
-            <a:spAutoFit/>
-          </a:bodyPr>
-          <a:lstStyle/>
-          <a:p>
-            <a:pPr algn="ctr"/>
-            <a:r>
-              <a:rPr lang="en-US" sz="2800" dirty="0"/>
-              <a:t>Microsoft Virtual Academy</a:t>
-            </a:r>
-          </a:p>
-        </p:txBody>
-      </p:sp>
-      <p:sp>
-        <p:nvSpPr>
           <p:cNvPr id="9" name="Decagon 8"/>
           <p:cNvSpPr/>
           <p:nvPr/>
         </p:nvSpPr>
         <p:spPr>
           <a:xfrm>
-            <a:off x="599521" y="5127571"/>
+            <a:off x="353889" y="4837014"/>
             <a:ext cx="6097311" cy="1576604"/>
           </a:xfrm>
           <a:prstGeom prst="decagon">
@@ -24437,36 +25659,42 @@
           </a:p>
         </p:txBody>
       </p:sp>
-      <p:pic>
-        <p:nvPicPr>
-          <p:cNvPr id="10" name="Picture 9"/>
-          <p:cNvPicPr>
-            <a:picLocks noChangeAspect="1"/>
-          </p:cNvPicPr>
-          <p:nvPr/>
-        </p:nvPicPr>
-        <p:blipFill>
-          <a:blip r:embed="rId10">
+      <p:sp>
+        <p:nvSpPr>
+          <p:cNvPr id="2" name="TextBox 1">
             <a:extLst>
-              <a:ext uri="{28A0092B-C50C-407E-A947-70E740481C1C}">
-                <a14:useLocalDpi xmlns:a14="http://schemas.microsoft.com/office/drawing/2010/main" val="0"/>
+              <a:ext uri="{FF2B5EF4-FFF2-40B4-BE49-F238E27FC236}">
+                <a16:creationId xmlns:a16="http://schemas.microsoft.com/office/drawing/2014/main" id="{DE292171-30B4-4130-A0C5-5E888E3AA14E}"/>
               </a:ext>
             </a:extLst>
-          </a:blip>
-          <a:stretch>
-            <a:fillRect/>
-          </a:stretch>
-        </p:blipFill>
+          </p:cNvPr>
+          <p:cNvSpPr txBox="1"/>
+          <p:nvPr/>
+        </p:nvSpPr>
         <p:spPr>
           <a:xfrm>
-            <a:off x="11258550" y="14011"/>
-            <a:ext cx="933450" cy="905165"/>
+            <a:off x="666572" y="6108020"/>
+            <a:ext cx="11246265" cy="376015"/>
           </a:xfrm>
           <a:prstGeom prst="rect">
             <a:avLst/>
           </a:prstGeom>
+          <a:noFill/>
         </p:spPr>
-      </p:pic>
+        <p:txBody>
+          <a:bodyPr wrap="square" rtlCol="0">
+            <a:spAutoFit/>
+          </a:bodyPr>
+          <a:lstStyle/>
+          <a:p>
+            <a:pPr algn="r"/>
+            <a:r>
+              <a:rPr lang="en-US" dirty="0"/>
+              <a:t>These slides can be downloaded from: http://aka.ms/534DevOps</a:t>
+            </a:r>
+          </a:p>
+        </p:txBody>
+      </p:sp>
     </p:spTree>
     <p:extLst>
       <p:ext uri="{BB962C8B-B14F-4D97-AF65-F5344CB8AC3E}">
@@ -27904,7 +29132,7 @@
           <p:nvPr/>
         </p:nvPicPr>
         <p:blipFill>
-          <a:blip r:embed="rId2"/>
+          <a:blip r:embed="rId3"/>
           <a:stretch>
             <a:fillRect/>
           </a:stretch>
@@ -27943,34 +29171,13 @@
           <a:p>
             <a:pPr algn="ctr"/>
             <a:r>
-              <a:rPr lang="en-US">
-                <a:solidFill>
-                  <a:schemeClr val="accent3"/>
-                </a:solidFill>
-              </a:rPr>
-              <a:t>Linux </a:t>
-            </a:r>
-            <a:r>
               <a:rPr lang="en-US" dirty="0">
                 <a:solidFill>
                   <a:schemeClr val="accent3"/>
                 </a:solidFill>
               </a:rPr>
-              <a:t>and </a:t>
-            </a:r>
-            <a:r>
-              <a:rPr lang="en-US">
-                <a:solidFill>
-                  <a:schemeClr val="accent3"/>
-                </a:solidFill>
-              </a:rPr>
-              <a:t>Linux Foundation</a:t>
-            </a:r>
-            <a:endParaRPr lang="en-US" dirty="0">
-              <a:solidFill>
-                <a:schemeClr val="accent3"/>
-              </a:solidFill>
-            </a:endParaRPr>
+              <a:t>Digital Transformation</a:t>
+            </a:r>
           </a:p>
         </p:txBody>
       </p:sp>
@@ -29032,7 +30239,7 @@
           <p:nvPr/>
         </p:nvPicPr>
         <p:blipFill>
-          <a:blip r:embed="rId2"/>
+          <a:blip r:embed="rId3"/>
           <a:stretch>
             <a:fillRect/>
           </a:stretch>
@@ -29056,7 +30263,7 @@
           <p:nvPr/>
         </p:nvPicPr>
         <p:blipFill>
-          <a:blip r:embed="rId3"/>
+          <a:blip r:embed="rId4"/>
           <a:stretch>
             <a:fillRect/>
           </a:stretch>
@@ -29387,7 +30594,7 @@
         </p:xfrm>
         <a:graphic>
           <a:graphicData uri="http://schemas.openxmlformats.org/drawingml/2006/diagram">
-            <dgm:relIds xmlns:dgm="http://schemas.openxmlformats.org/drawingml/2006/diagram" xmlns:r="http://schemas.openxmlformats.org/officeDocument/2006/relationships" r:dm="rId2" r:lo="rId3" r:qs="rId4" r:cs="rId5"/>
+            <dgm:relIds xmlns:dgm="http://schemas.openxmlformats.org/drawingml/2006/diagram" xmlns:r="http://schemas.openxmlformats.org/officeDocument/2006/relationships" r:dm="rId3" r:lo="rId4" r:qs="rId5" r:cs="rId6"/>
           </a:graphicData>
         </a:graphic>
       </p:graphicFrame>
@@ -29430,7 +30637,7 @@
         </p:xfrm>
         <a:graphic>
           <a:graphicData uri="http://schemas.openxmlformats.org/drawingml/2006/diagram">
-            <dgm:relIds xmlns:dgm="http://schemas.openxmlformats.org/drawingml/2006/diagram" xmlns:r="http://schemas.openxmlformats.org/officeDocument/2006/relationships" r:dm="rId7" r:lo="rId8" r:qs="rId9" r:cs="rId10"/>
+            <dgm:relIds xmlns:dgm="http://schemas.openxmlformats.org/drawingml/2006/diagram" xmlns:r="http://schemas.openxmlformats.org/officeDocument/2006/relationships" r:dm="rId8" r:lo="rId9" r:qs="rId10" r:cs="rId11"/>
           </a:graphicData>
         </a:graphic>
       </p:graphicFrame>
@@ -29448,6 +30655,180 @@
 </file>
 
 <file path=ppt/slides/slide16.xml><?xml version="1.0" encoding="utf-8"?>
+<p:sld xmlns:a="http://schemas.openxmlformats.org/drawingml/2006/main" xmlns:r="http://schemas.openxmlformats.org/officeDocument/2006/relationships" xmlns:p="http://schemas.openxmlformats.org/presentationml/2006/main">
+  <p:cSld>
+    <p:spTree>
+      <p:nvGrpSpPr>
+        <p:cNvPr id="1" name=""/>
+        <p:cNvGrpSpPr/>
+        <p:nvPr/>
+      </p:nvGrpSpPr>
+      <p:grpSpPr>
+        <a:xfrm>
+          <a:off x="0" y="0"/>
+          <a:ext cx="0" cy="0"/>
+          <a:chOff x="0" y="0"/>
+          <a:chExt cx="0" cy="0"/>
+        </a:xfrm>
+      </p:grpSpPr>
+      <p:sp>
+        <p:nvSpPr>
+          <p:cNvPr id="2" name="Rectangle 1">
+            <a:extLst>
+              <a:ext uri="{FF2B5EF4-FFF2-40B4-BE49-F238E27FC236}">
+                <a16:creationId xmlns:a16="http://schemas.microsoft.com/office/drawing/2014/main" id="{F36C167E-D854-4630-9239-204CAC93AB17}"/>
+              </a:ext>
+            </a:extLst>
+          </p:cNvPr>
+          <p:cNvSpPr/>
+          <p:nvPr/>
+        </p:nvSpPr>
+        <p:spPr>
+          <a:xfrm>
+            <a:off x="432619" y="277656"/>
+            <a:ext cx="6096000" cy="6463308"/>
+          </a:xfrm>
+          <a:prstGeom prst="rect">
+            <a:avLst/>
+          </a:prstGeom>
+        </p:spPr>
+        <p:txBody>
+          <a:bodyPr>
+            <a:spAutoFit/>
+          </a:bodyPr>
+          <a:lstStyle/>
+          <a:p>
+            <a:r>
+              <a:rPr lang="en-US" b="1" u="sng" dirty="0"/>
+              <a:t>Asked at beginning of customer Feedback time jot down rough percentage of room:</a:t>
+            </a:r>
+            <a:endParaRPr lang="en-US" b="1" dirty="0"/>
+          </a:p>
+          <a:p>
+            <a:r>
+              <a:rPr lang="en-US" b="1" dirty="0"/>
+              <a:t>How deep is your knowledge of Azure Cloud Solutions?</a:t>
+            </a:r>
+            <a:endParaRPr lang="en-US" dirty="0"/>
+          </a:p>
+          <a:p>
+            <a:r>
+              <a:rPr lang="en-US" dirty="0"/>
+              <a:t>1. I know Azure and its offerings really well</a:t>
+            </a:r>
+          </a:p>
+          <a:p>
+            <a:r>
+              <a:rPr lang="en-US" dirty="0"/>
+              <a:t>2. I have a good base knowledge of Azure</a:t>
+            </a:r>
+          </a:p>
+          <a:p>
+            <a:r>
+              <a:rPr lang="en-US" dirty="0"/>
+              <a:t>3. I know some of Azure</a:t>
+            </a:r>
+          </a:p>
+          <a:p>
+            <a:r>
+              <a:rPr lang="en-US" dirty="0"/>
+              <a:t>4. I’m just getting started with Azure</a:t>
+            </a:r>
+          </a:p>
+          <a:p>
+            <a:br>
+              <a:rPr lang="en-US" dirty="0"/>
+            </a:br>
+            <a:r>
+              <a:rPr lang="en-US" b="1" dirty="0"/>
+              <a:t>Are you planning on taking the Azure Certification Exam related to this content?</a:t>
+            </a:r>
+            <a:endParaRPr lang="en-US" dirty="0"/>
+          </a:p>
+          <a:p>
+            <a:r>
+              <a:rPr lang="en-US" dirty="0"/>
+              <a:t>1. Yes</a:t>
+            </a:r>
+          </a:p>
+          <a:p>
+            <a:r>
+              <a:rPr lang="en-US" dirty="0"/>
+              <a:t>2. Maybe, I’m interested in finding out more</a:t>
+            </a:r>
+          </a:p>
+          <a:p>
+            <a:r>
+              <a:rPr lang="en-US" dirty="0"/>
+              <a:t>3. No, would you like to elaborate?</a:t>
+            </a:r>
+          </a:p>
+          <a:p>
+            <a:r>
+              <a:rPr lang="en-US" dirty="0"/>
+              <a:t> </a:t>
+            </a:r>
+          </a:p>
+          <a:p>
+            <a:r>
+              <a:rPr lang="en-US" b="1" dirty="0"/>
+              <a:t>Do you feel you are educationally ready to deliver Azure Solutions?</a:t>
+            </a:r>
+            <a:endParaRPr lang="en-US" dirty="0"/>
+          </a:p>
+          <a:p>
+            <a:r>
+              <a:rPr lang="en-US" dirty="0"/>
+              <a:t>1. Yes, Ready to go</a:t>
+            </a:r>
+          </a:p>
+          <a:p>
+            <a:r>
+              <a:rPr lang="en-US" dirty="0"/>
+              <a:t>2. Maybe, after doing homework, I will be ready</a:t>
+            </a:r>
+          </a:p>
+          <a:p>
+            <a:r>
+              <a:rPr lang="en-US" dirty="0"/>
+              <a:t>3. No, please elaborate?</a:t>
+            </a:r>
+          </a:p>
+          <a:p>
+            <a:r>
+              <a:rPr lang="en-US" b="1" dirty="0"/>
+              <a:t>What types of project(s) do you have or hope to drive where Azure may provide a solution?</a:t>
+            </a:r>
+            <a:endParaRPr lang="en-US" dirty="0"/>
+          </a:p>
+          <a:p>
+            <a:r>
+              <a:rPr lang="en-US" dirty="0"/>
+              <a:t>Open Discussion</a:t>
+            </a:r>
+          </a:p>
+          <a:p>
+            <a:endParaRPr lang="en-US" dirty="0"/>
+          </a:p>
+        </p:txBody>
+      </p:sp>
+    </p:spTree>
+    <p:extLst>
+      <p:ext uri="{BB962C8B-B14F-4D97-AF65-F5344CB8AC3E}">
+        <p14:creationId xmlns:p14="http://schemas.microsoft.com/office/powerpoint/2010/main" val="3042478478"/>
+      </p:ext>
+    </p:extLst>
+  </p:cSld>
+  <p:clrMapOvr>
+    <a:masterClrMapping/>
+  </p:clrMapOvr>
+  <p:transition>
+    <p:fade/>
+  </p:transition>
+</p:sld>
+</file>
+
+<file path=ppt/slides/slide17.xml><?xml version="1.0" encoding="utf-8"?>
 <p:sld xmlns:a="http://schemas.openxmlformats.org/drawingml/2006/main" xmlns:r="http://schemas.openxmlformats.org/officeDocument/2006/relationships" xmlns:p="http://schemas.openxmlformats.org/presentationml/2006/main">
   <p:cSld>
     <p:spTree>
@@ -31008,8 +32389,8 @@
         </p:nvSpPr>
         <p:spPr>
           <a:xfrm>
-            <a:off x="5490816" y="2524223"/>
-            <a:ext cx="4211518" cy="3927104"/>
+            <a:off x="5490816" y="1093862"/>
+            <a:ext cx="4211518" cy="5357465"/>
           </a:xfrm>
           <a:prstGeom prst="irregularSeal1">
             <a:avLst/>
@@ -31047,7 +32428,22 @@
                   <a:schemeClr val="tx1"/>
                 </a:solidFill>
               </a:rPr>
-              <a:t>Join EVENTS Mailing List NOW!</a:t>
+              <a:t>Join </a:t>
+            </a:r>
+            <a:br>
+              <a:rPr lang="en-US" sz="2800" dirty="0">
+                <a:solidFill>
+                  <a:schemeClr val="tx1"/>
+                </a:solidFill>
+              </a:rPr>
+            </a:br>
+            <a:r>
+              <a:rPr lang="en-US" sz="2800" dirty="0">
+                <a:solidFill>
+                  <a:schemeClr val="tx1"/>
+                </a:solidFill>
+              </a:rPr>
+              <a:t>EVENTS &amp; THOUGHT LEADERSHIP Mailing List NOW!</a:t>
             </a:r>
           </a:p>
         </p:txBody>
@@ -31463,7 +32859,7 @@
 </p:sld>
 </file>
 
-<file path=ppt/slides/slide17.xml><?xml version="1.0" encoding="utf-8"?>
+<file path=ppt/slides/slide18.xml><?xml version="1.0" encoding="utf-8"?>
 <p:sld xmlns:a="http://schemas.openxmlformats.org/drawingml/2006/main" xmlns:r="http://schemas.openxmlformats.org/officeDocument/2006/relationships" xmlns:p="http://schemas.openxmlformats.org/presentationml/2006/main">
   <p:cSld>
     <p:spTree>
@@ -31807,7 +33203,7 @@
           <p:nvPr/>
         </p:nvPicPr>
         <p:blipFill>
-          <a:blip r:embed="rId2" cstate="print">
+          <a:blip r:embed="rId3" cstate="print">
             <a:extLst>
               <a:ext uri="{28A0092B-C50C-407E-A947-70E740481C1C}">
                 <a14:useLocalDpi xmlns:a14="http://schemas.microsoft.com/office/drawing/2010/main" val="0"/>
@@ -31861,7 +33257,7 @@
           <p:nvPr/>
         </p:nvPicPr>
         <p:blipFill>
-          <a:blip r:embed="rId3" cstate="print">
+          <a:blip r:embed="rId4" cstate="print">
             <a:extLst>
               <a:ext uri="{28A0092B-C50C-407E-A947-70E740481C1C}">
                 <a14:useLocalDpi xmlns:a14="http://schemas.microsoft.com/office/drawing/2010/main" val="0"/>
@@ -32214,7 +33610,7 @@
           <p:nvPr/>
         </p:nvPicPr>
         <p:blipFill>
-          <a:blip r:embed="rId4" cstate="print">
+          <a:blip r:embed="rId5" cstate="print">
             <a:extLst>
               <a:ext uri="{28A0092B-C50C-407E-A947-70E740481C1C}">
                 <a14:useLocalDpi xmlns:a14="http://schemas.microsoft.com/office/drawing/2010/main" val="0"/>
@@ -32326,7 +33722,7 @@
           <p:nvPr/>
         </p:nvPicPr>
         <p:blipFill>
-          <a:blip r:embed="rId4" cstate="print">
+          <a:blip r:embed="rId5" cstate="print">
             <a:extLst>
               <a:ext uri="{28A0092B-C50C-407E-A947-70E740481C1C}">
                 <a14:useLocalDpi xmlns:a14="http://schemas.microsoft.com/office/drawing/2010/main" val="0"/>
@@ -32423,7 +33819,7 @@
           <p:nvPr/>
         </p:nvPicPr>
         <p:blipFill>
-          <a:blip r:embed="rId4" cstate="print">
+          <a:blip r:embed="rId5" cstate="print">
             <a:extLst>
               <a:ext uri="{28A0092B-C50C-407E-A947-70E740481C1C}">
                 <a14:useLocalDpi xmlns:a14="http://schemas.microsoft.com/office/drawing/2010/main" val="0"/>
@@ -32800,7 +34196,7 @@
 </p:sld>
 </file>
 
-<file path=ppt/slides/slide18.xml><?xml version="1.0" encoding="utf-8"?>
+<file path=ppt/slides/slide19.xml><?xml version="1.0" encoding="utf-8"?>
 <p:sld xmlns:a="http://schemas.openxmlformats.org/drawingml/2006/main" xmlns:r="http://schemas.openxmlformats.org/officeDocument/2006/relationships" xmlns:p="http://schemas.openxmlformats.org/presentationml/2006/main">
   <p:cSld>
     <p:spTree>
@@ -32976,7 +34372,7 @@
                       <a:r>
                         <a:rPr lang="en-US" sz="1600" u="sng" strike="noStrike">
                           <a:effectLst/>
-                          <a:hlinkClick r:id="rId2"/>
+                          <a:hlinkClick r:id="rId3"/>
                         </a:rPr>
                         <a:t>https://mva.microsoft.com/product-training/microsoft-azure#!jobf=IT%20Pros&amp;lang=1033</a:t>
                       </a:r>
@@ -33030,7 +34426,7 @@
                       <a:r>
                         <a:rPr lang="en-US" sz="1600" u="sng" strike="noStrike">
                           <a:effectLst/>
-                          <a:hlinkClick r:id="rId2"/>
+                          <a:hlinkClick r:id="rId3"/>
                         </a:rPr>
                         <a:t>https://www.microsoft.com/en-us/learning/azure-training.aspx</a:t>
                       </a:r>
@@ -33084,7 +34480,7 @@
                       <a:r>
                         <a:rPr lang="en-US" sz="1600" u="sng" strike="noStrike">
                           <a:effectLst/>
-                          <a:hlinkClick r:id="rId3"/>
+                          <a:hlinkClick r:id="rId4"/>
                         </a:rPr>
                         <a:t>https://www.visualstudio.com/dev-essentials/</a:t>
                       </a:r>
@@ -33138,7 +34534,7 @@
                       <a:r>
                         <a:rPr lang="en-US" sz="1600" u="sng" strike="noStrike">
                           <a:effectLst/>
-                          <a:hlinkClick r:id="rId4"/>
+                          <a:hlinkClick r:id="rId5"/>
                         </a:rPr>
                         <a:t>https://openedx.microsoft.com/courses/course-v1%3AMicrosoft%2BAzure213x%2B2016_T4/</a:t>
                       </a:r>
@@ -33192,7 +34588,7 @@
                       <a:r>
                         <a:rPr lang="en-US" sz="1600" u="sng" strike="noStrike" dirty="0">
                           <a:effectLst/>
-                          <a:hlinkClick r:id="rId5"/>
+                          <a:hlinkClick r:id="rId6"/>
                         </a:rPr>
                         <a:t>https://mva.microsoft.com/search/SearchResults.aspx#!q=Microsoft%20Azure%20for%20IT%20Pros%20content%20series&amp;lang=1033</a:t>
                       </a:r>
@@ -33252,7 +34648,7 @@
                       <a:r>
                         <a:rPr lang="en-US" sz="1600" u="sng" strike="noStrike" dirty="0">
                           <a:effectLst/>
-                          <a:hlinkClick r:id="rId6"/>
+                          <a:hlinkClick r:id="rId7"/>
                         </a:rPr>
                         <a:t>https://learning.linkedin.com/in/overview</a:t>
                       </a:r>
@@ -33312,7 +34708,7 @@
           <a:p>
             <a:r>
               <a:rPr lang="en-US" sz="2800" dirty="0">
-                <a:hlinkClick r:id="rId7"/>
+                <a:hlinkClick r:id="rId8"/>
               </a:rPr>
               <a:t>https://www.microsoft.com/en-us/learning/default.aspx</a:t>
             </a:r>
@@ -34076,7 +35472,7 @@
             <p:nvPr/>
           </p:nvPicPr>
           <p:blipFill>
-            <a:blip r:embed="rId2">
+            <a:blip r:embed="rId3">
               <a:extLst>
                 <a:ext uri="{28A0092B-C50C-407E-A947-70E740481C1C}">
                   <a14:useLocalDpi xmlns:a14="http://schemas.microsoft.com/office/drawing/2010/main" val="0"/>
@@ -34108,7 +35504,7 @@
           <p:nvPr/>
         </p:nvPicPr>
         <p:blipFill>
-          <a:blip r:embed="rId3"/>
+          <a:blip r:embed="rId4"/>
           <a:stretch>
             <a:fillRect/>
           </a:stretch>
@@ -34813,7 +36209,7 @@
           </p:nvPr>
         </p:nvPicPr>
         <p:blipFill>
-          <a:blip r:embed="rId2">
+          <a:blip r:embed="rId3">
             <a:extLst>
               <a:ext uri="{28A0092B-C50C-407E-A947-70E740481C1C}">
                 <a14:useLocalDpi xmlns:a14="http://schemas.microsoft.com/office/drawing/2010/main" val="0"/>
@@ -34974,7 +36370,7 @@
                 <a:latin typeface="Arial" panose="020B0604020202020204" pitchFamily="34" charset="0"/>
                 <a:ea typeface="Times New Roman" panose="02020603050405020304" pitchFamily="18" charset="0"/>
                 <a:cs typeface="Arial" panose="020B0604020202020204" pitchFamily="34" charset="0"/>
-                <a:hlinkClick r:id="rId2"/>
+                <a:hlinkClick r:id="rId3"/>
               </a:rPr>
               <a:t>The Phoenix Project: A Novel about IT, DevOps, and Helping Your Business Win Paperback</a:t>
             </a:r>
@@ -35221,7 +36617,7 @@
           <p:nvPr/>
         </p:nvPicPr>
         <p:blipFill>
-          <a:blip r:embed="rId3">
+          <a:blip r:embed="rId4">
             <a:extLst>
               <a:ext uri="{28A0092B-C50C-407E-A947-70E740481C1C}">
                 <a14:useLocalDpi xmlns:a14="http://schemas.microsoft.com/office/drawing/2010/main" val="0"/>
@@ -35324,7 +36720,7 @@
           <a:p>
             <a:r>
               <a:rPr lang="en-US" sz="1600" dirty="0">
-                <a:hlinkClick r:id="rId2"/>
+                <a:hlinkClick r:id="rId3"/>
               </a:rPr>
               <a:t>Gene Kim’s “3 ways”</a:t>
             </a:r>
@@ -35432,42 +36828,33 @@
           <a:p>
             <a:r>
               <a:rPr lang="en-US" sz="1600" dirty="0">
-                <a:hlinkClick r:id="rId3"/>
+                <a:hlinkClick r:id="rId4"/>
               </a:rPr>
               <a:t>Infrastructure as Code (</a:t>
             </a:r>
             <a:r>
               <a:rPr lang="en-US" sz="1600" dirty="0" err="1">
-                <a:hlinkClick r:id="rId3"/>
+                <a:hlinkClick r:id="rId4"/>
               </a:rPr>
               <a:t>IaC</a:t>
             </a:r>
-            <a:r>
-              <a:rPr lang="en-US" sz="1600" dirty="0">
-                <a:hlinkClick r:id="rId3"/>
-              </a:rPr>
-              <a:t>)</a:t>
-            </a:r>
-            <a:r>
-              <a:rPr lang="en-US" sz="1600" dirty="0"/>
-              <a:t> </a:t>
-            </a:r>
-          </a:p>
-          <a:p>
             <a:r>
               <a:rPr lang="en-US" sz="1600" dirty="0">
                 <a:hlinkClick r:id="rId4"/>
               </a:rPr>
-              <a:t>Continuous Integration (CI)</a:t>
-            </a:r>
-            <a:endParaRPr lang="en-US" sz="1600" dirty="0"/>
+              <a:t>)</a:t>
+            </a:r>
+            <a:r>
+              <a:rPr lang="en-US" sz="1600" dirty="0"/>
+              <a:t> </a:t>
+            </a:r>
           </a:p>
           <a:p>
             <a:r>
               <a:rPr lang="en-US" sz="1600" dirty="0">
                 <a:hlinkClick r:id="rId5"/>
               </a:rPr>
-              <a:t>Automated Testing</a:t>
+              <a:t>Continuous Integration (CI)</a:t>
             </a:r>
             <a:endParaRPr lang="en-US" sz="1600" dirty="0"/>
           </a:p>
@@ -35476,33 +36863,42 @@
               <a:rPr lang="en-US" sz="1600" dirty="0">
                 <a:hlinkClick r:id="rId6"/>
               </a:rPr>
-              <a:t>Application Performance Monitoring/Management (APM)</a:t>
+              <a:t>Automated Testing</a:t>
             </a:r>
             <a:endParaRPr lang="en-US" sz="1600" dirty="0"/>
-          </a:p>
-          <a:p>
-            <a:r>
-              <a:rPr lang="en-US" sz="1600" u="sng" dirty="0"/>
-              <a:t>Continuous Deployment (CD)</a:t>
-            </a:r>
-            <a:r>
-              <a:rPr lang="en-US" sz="1600" dirty="0"/>
-              <a:t> </a:t>
-            </a:r>
           </a:p>
           <a:p>
             <a:r>
               <a:rPr lang="en-US" sz="1600" dirty="0">
                 <a:hlinkClick r:id="rId7"/>
               </a:rPr>
-              <a:t>Release Management</a:t>
+              <a:t>Application Performance Monitoring/Management (APM)</a:t>
             </a:r>
             <a:endParaRPr lang="en-US" sz="1600" dirty="0"/>
+          </a:p>
+          <a:p>
+            <a:r>
+              <a:rPr lang="en-US" sz="1600" u="sng" dirty="0"/>
+              <a:t>Continuous Deployment (CD)</a:t>
+            </a:r>
+            <a:r>
+              <a:rPr lang="en-US" sz="1600" dirty="0"/>
+              <a:t> </a:t>
+            </a:r>
           </a:p>
           <a:p>
             <a:r>
               <a:rPr lang="en-US" sz="1600" dirty="0">
                 <a:hlinkClick r:id="rId8"/>
+              </a:rPr>
+              <a:t>Release Management</a:t>
+            </a:r>
+            <a:endParaRPr lang="en-US" sz="1600" dirty="0"/>
+          </a:p>
+          <a:p>
+            <a:r>
+              <a:rPr lang="en-US" sz="1600" dirty="0">
+                <a:hlinkClick r:id="rId9"/>
               </a:rPr>
               <a:t>Configuration Management</a:t>
             </a:r>
@@ -35521,7 +36917,7 @@
             </a:pPr>
             <a:r>
               <a:rPr lang="en-US" sz="1100" dirty="0">
-                <a:hlinkClick r:id="rId9"/>
+                <a:hlinkClick r:id="rId10"/>
               </a:rPr>
               <a:t>Advanced Monitoring</a:t>
             </a:r>
@@ -35537,7 +36933,7 @@
             </a:pPr>
             <a:r>
               <a:rPr lang="en-US" sz="1100" dirty="0">
-                <a:hlinkClick r:id="rId10"/>
+                <a:hlinkClick r:id="rId11"/>
               </a:rPr>
               <a:t>Capacity Management</a:t>
             </a:r>
@@ -35550,7 +36946,7 @@
             </a:pPr>
             <a:r>
               <a:rPr lang="en-US" sz="1100" dirty="0">
-                <a:hlinkClick r:id="rId11"/>
+                <a:hlinkClick r:id="rId12"/>
               </a:rPr>
               <a:t>Feature Flags</a:t>
             </a:r>
@@ -35583,7 +36979,7 @@
             </a:pPr>
             <a:r>
               <a:rPr lang="en-US" sz="1600" dirty="0">
-                <a:hlinkClick r:id="rId12"/>
+                <a:hlinkClick r:id="rId13"/>
               </a:rPr>
               <a:t>Hypothesis Driven Development</a:t>
             </a:r>
@@ -35599,7 +36995,7 @@
             </a:pPr>
             <a:r>
               <a:rPr lang="en-US" sz="1100" dirty="0">
-                <a:hlinkClick r:id="rId13"/>
+                <a:hlinkClick r:id="rId14"/>
               </a:rPr>
               <a:t>Testing in Production</a:t>
             </a:r>
@@ -35615,7 +37011,7 @@
             </a:pPr>
             <a:r>
               <a:rPr lang="en-US" sz="1100" dirty="0">
-                <a:hlinkClick r:id="rId14"/>
+                <a:hlinkClick r:id="rId15"/>
               </a:rPr>
               <a:t>Fault Injection</a:t>
             </a:r>
@@ -35641,7 +37037,7 @@
             </a:pPr>
             <a:r>
               <a:rPr lang="en-US" sz="1100" dirty="0">
-                <a:hlinkClick r:id="rId15"/>
+                <a:hlinkClick r:id="rId16"/>
               </a:rPr>
               <a:t>A/B Testing</a:t>
             </a:r>
@@ -35716,7 +37112,7 @@
           <p:nvPr/>
         </p:nvPicPr>
         <p:blipFill>
-          <a:blip r:embed="rId16">
+          <a:blip r:embed="rId17">
             <a:extLst>
               <a:ext uri="{28A0092B-C50C-407E-A947-70E740481C1C}">
                 <a14:useLocalDpi xmlns:a14="http://schemas.microsoft.com/office/drawing/2010/main" val="0"/>
@@ -35746,7 +37142,7 @@
           <p:nvPr/>
         </p:nvPicPr>
         <p:blipFill>
-          <a:blip r:embed="rId17">
+          <a:blip r:embed="rId18">
             <a:extLst>
               <a:ext uri="{28A0092B-C50C-407E-A947-70E740481C1C}">
                 <a14:useLocalDpi xmlns:a14="http://schemas.microsoft.com/office/drawing/2010/main" val="0"/>
@@ -35776,7 +37172,7 @@
           <p:nvPr/>
         </p:nvPicPr>
         <p:blipFill>
-          <a:blip r:embed="rId18">
+          <a:blip r:embed="rId19">
             <a:extLst>
               <a:ext uri="{28A0092B-C50C-407E-A947-70E740481C1C}">
                 <a14:useLocalDpi xmlns:a14="http://schemas.microsoft.com/office/drawing/2010/main" val="0"/>
